--- a/iOS行動程式基礎開發上架20堂課/第18堂課基本動畫/swift-擴充.pptx
+++ b/iOS行動程式基礎開發上架20堂課/第18堂課基本動畫/swift-擴充.pptx
@@ -32855,7 +32855,7 @@
         <p:spPr>
           <a:xfrm>
             <a:off x="762931" y="1127344"/>
-            <a:ext cx="3176288" cy="2694941"/>
+            <a:ext cx="2743972" cy="3316365"/>
           </a:xfrm>
           <a:prstGeom prst="rect">
             <a:avLst/>
@@ -32875,9 +32875,9 @@
           </a:bodyPr>
           <a:lstStyle/>
           <a:p>
-            <a:pPr marL="457200" indent="-317500" defTabSz="457200">
+            <a:pPr marL="527755" indent="-388055" defTabSz="457200">
               <a:lnSpc>
-                <a:spcPts val="2300"/>
+                <a:spcPts val="1700"/>
               </a:lnSpc>
               <a:spcBef>
                 <a:spcPts val="0"/>
@@ -32888,14 +32888,14 @@
               <a:buSzPct val="100000"/>
               <a:buFont typeface="Menlo"/>
               <a:buChar char="•"/>
-              <a:defRPr b="0" sz="900">
-                <a:solidFill>
-                  <a:srgbClr val="AA0D91"/>
-                </a:solidFill>
-                <a:latin typeface="Menlo"/>
-                <a:ea typeface="Menlo"/>
-                <a:cs typeface="Menlo"/>
-                <a:sym typeface="Menlo"/>
+              <a:defRPr b="0" sz="1100">
+                <a:solidFill>
+                  <a:srgbClr val="5C2699"/>
+                </a:solidFill>
+                <a:latin typeface="Arial"/>
+                <a:ea typeface="Arial"/>
+                <a:cs typeface="Arial"/>
+                <a:sym typeface="Arial"/>
               </a:defRPr>
             </a:pPr>
             <a:r>
@@ -32910,11 +32910,6 @@
               <a:t> </a:t>
             </a:r>
             <a:r>
-              <a:rPr>
-                <a:solidFill>
-                  <a:srgbClr val="5C2699"/>
-                </a:solidFill>
-              </a:rPr>
               <a:t>Int</a:t>
             </a:r>
             <a:r>
@@ -32932,9 +32927,9 @@
             </a:endParaRPr>
           </a:p>
           <a:p>
-            <a:pPr marL="457200" indent="-317500" defTabSz="457200">
+            <a:pPr marL="527755" indent="-388055" defTabSz="457200">
               <a:lnSpc>
-                <a:spcPts val="2300"/>
+                <a:spcPts val="1700"/>
               </a:lnSpc>
               <a:spcBef>
                 <a:spcPts val="0"/>
@@ -32945,14 +32940,14 @@
               <a:buSzPct val="100000"/>
               <a:buFont typeface="Menlo"/>
               <a:buChar char="•"/>
-              <a:defRPr b="0" sz="900">
-                <a:solidFill>
-                  <a:srgbClr val="333333"/>
-                </a:solidFill>
-                <a:latin typeface="Menlo"/>
-                <a:ea typeface="Menlo"/>
-                <a:cs typeface="Menlo"/>
-                <a:sym typeface="Menlo"/>
+              <a:defRPr b="0" sz="1100">
+                <a:solidFill>
+                  <a:srgbClr val="5C2699"/>
+                </a:solidFill>
+                <a:latin typeface="Arial"/>
+                <a:ea typeface="Arial"/>
+                <a:cs typeface="Arial"/>
+                <a:sym typeface="Arial"/>
               </a:defRPr>
             </a:pPr>
             <a:r>
@@ -32982,9 +32977,9 @@
             </a:r>
           </a:p>
           <a:p>
-            <a:pPr marL="457200" indent="-317500" defTabSz="457200">
+            <a:pPr marL="527755" indent="-388055" defTabSz="457200">
               <a:lnSpc>
-                <a:spcPts val="2300"/>
+                <a:spcPts val="1700"/>
               </a:lnSpc>
               <a:spcBef>
                 <a:spcPts val="0"/>
@@ -32995,14 +32990,14 @@
               <a:buSzPct val="100000"/>
               <a:buFont typeface="Menlo"/>
               <a:buChar char="•"/>
-              <a:defRPr b="0" sz="900">
-                <a:solidFill>
-                  <a:srgbClr val="333333"/>
-                </a:solidFill>
-                <a:latin typeface="Menlo"/>
-                <a:ea typeface="Menlo"/>
-                <a:cs typeface="Menlo"/>
-                <a:sym typeface="Menlo"/>
+              <a:defRPr b="0" sz="1100">
+                <a:solidFill>
+                  <a:srgbClr val="5C2699"/>
+                </a:solidFill>
+                <a:latin typeface="Arial"/>
+                <a:ea typeface="Arial"/>
+                <a:cs typeface="Arial"/>
+                <a:sym typeface="Arial"/>
               </a:defRPr>
             </a:pPr>
             <a:r>
@@ -33051,9 +33046,9 @@
             </a:r>
           </a:p>
           <a:p>
-            <a:pPr marL="457200" indent="-317500" defTabSz="457200">
+            <a:pPr marL="527755" indent="-388055" defTabSz="457200">
               <a:lnSpc>
-                <a:spcPts val="2300"/>
+                <a:spcPts val="1700"/>
               </a:lnSpc>
               <a:spcBef>
                 <a:spcPts val="0"/>
@@ -33064,14 +33059,14 @@
               <a:buSzPct val="100000"/>
               <a:buFont typeface="Menlo"/>
               <a:buChar char="•"/>
-              <a:defRPr b="0" sz="900">
-                <a:solidFill>
-                  <a:srgbClr val="333333"/>
-                </a:solidFill>
-                <a:latin typeface="Menlo"/>
-                <a:ea typeface="Menlo"/>
-                <a:cs typeface="Menlo"/>
-                <a:sym typeface="Menlo"/>
+              <a:defRPr b="0" sz="1100">
+                <a:solidFill>
+                  <a:srgbClr val="5C2699"/>
+                </a:solidFill>
+                <a:latin typeface="Arial"/>
+                <a:ea typeface="Arial"/>
+                <a:cs typeface="Arial"/>
+                <a:sym typeface="Arial"/>
               </a:defRPr>
             </a:pPr>
             <a:r>
@@ -33079,9 +33074,9 @@
             </a:r>
           </a:p>
           <a:p>
-            <a:pPr marL="457200" indent="-317500" defTabSz="457200">
+            <a:pPr marL="527755" indent="-388055" defTabSz="457200">
               <a:lnSpc>
-                <a:spcPts val="2300"/>
+                <a:spcPts val="1700"/>
               </a:lnSpc>
               <a:spcBef>
                 <a:spcPts val="0"/>
@@ -33092,14 +33087,14 @@
               <a:buSzPct val="100000"/>
               <a:buFont typeface="Menlo"/>
               <a:buChar char="•"/>
-              <a:defRPr b="0" sz="900">
-                <a:solidFill>
-                  <a:srgbClr val="333333"/>
-                </a:solidFill>
-                <a:latin typeface="Menlo"/>
-                <a:ea typeface="Menlo"/>
-                <a:cs typeface="Menlo"/>
-                <a:sym typeface="Menlo"/>
+              <a:defRPr b="0" sz="1100">
+                <a:solidFill>
+                  <a:srgbClr val="5C2699"/>
+                </a:solidFill>
+                <a:latin typeface="Arial"/>
+                <a:ea typeface="Arial"/>
+                <a:cs typeface="Arial"/>
+                <a:sym typeface="Arial"/>
               </a:defRPr>
             </a:pPr>
             <a:r>
@@ -33128,11 +33123,6 @@
               <a:t>: </a:t>
             </a:r>
             <a:r>
-              <a:rPr>
-                <a:solidFill>
-                  <a:srgbClr val="5C2699"/>
-                </a:solidFill>
-              </a:rPr>
               <a:t>Kind</a:t>
             </a:r>
             <a:r>
@@ -33140,9 +33130,9 @@
             </a:r>
           </a:p>
           <a:p>
-            <a:pPr marL="457200" indent="-317500" defTabSz="457200">
+            <a:pPr marL="527755" indent="-388055" defTabSz="457200">
               <a:lnSpc>
-                <a:spcPts val="2300"/>
+                <a:spcPts val="1700"/>
               </a:lnSpc>
               <a:spcBef>
                 <a:spcPts val="0"/>
@@ -33153,14 +33143,14 @@
               <a:buSzPct val="100000"/>
               <a:buFont typeface="Menlo"/>
               <a:buChar char="•"/>
-              <a:defRPr b="0" sz="900">
-                <a:solidFill>
-                  <a:srgbClr val="333333"/>
-                </a:solidFill>
-                <a:latin typeface="Menlo"/>
-                <a:ea typeface="Menlo"/>
-                <a:cs typeface="Menlo"/>
-                <a:sym typeface="Menlo"/>
+              <a:defRPr b="0" sz="1100">
+                <a:solidFill>
+                  <a:srgbClr val="5C2699"/>
+                </a:solidFill>
+                <a:latin typeface="Arial"/>
+                <a:ea typeface="Arial"/>
+                <a:cs typeface="Arial"/>
+                <a:sym typeface="Arial"/>
               </a:defRPr>
             </a:pPr>
             <a:r>
@@ -33190,9 +33180,9 @@
             </a:r>
           </a:p>
           <a:p>
-            <a:pPr marL="457200" indent="-317500" defTabSz="457200">
+            <a:pPr marL="527755" indent="-388055" defTabSz="457200">
               <a:lnSpc>
-                <a:spcPts val="2300"/>
+                <a:spcPts val="1700"/>
               </a:lnSpc>
               <a:spcBef>
                 <a:spcPts val="0"/>
@@ -33203,14 +33193,14 @@
               <a:buSzPct val="100000"/>
               <a:buFont typeface="Menlo"/>
               <a:buChar char="•"/>
-              <a:defRPr b="0" sz="900">
-                <a:solidFill>
-                  <a:srgbClr val="333333"/>
-                </a:solidFill>
-                <a:latin typeface="Menlo"/>
-                <a:ea typeface="Menlo"/>
-                <a:cs typeface="Menlo"/>
-                <a:sym typeface="Menlo"/>
+              <a:defRPr b="0" sz="1100">
+                <a:solidFill>
+                  <a:srgbClr val="5C2699"/>
+                </a:solidFill>
+                <a:latin typeface="Arial"/>
+                <a:ea typeface="Arial"/>
+                <a:cs typeface="Arial"/>
+                <a:sym typeface="Arial"/>
               </a:defRPr>
             </a:pPr>
             <a:r>
@@ -33240,9 +33230,9 @@
             </a:r>
           </a:p>
           <a:p>
-            <a:pPr marL="457200" indent="-317500" defTabSz="457200">
+            <a:pPr marL="527755" indent="-388055" defTabSz="457200">
               <a:lnSpc>
-                <a:spcPts val="2300"/>
+                <a:spcPts val="1700"/>
               </a:lnSpc>
               <a:spcBef>
                 <a:spcPts val="0"/>
@@ -33253,14 +33243,14 @@
               <a:buSzPct val="100000"/>
               <a:buFont typeface="Menlo"/>
               <a:buChar char="•"/>
-              <a:defRPr b="0" sz="900">
-                <a:solidFill>
-                  <a:srgbClr val="333333"/>
-                </a:solidFill>
-                <a:latin typeface="Menlo"/>
-                <a:ea typeface="Menlo"/>
-                <a:cs typeface="Menlo"/>
-                <a:sym typeface="Menlo"/>
+              <a:defRPr b="0" sz="1100">
+                <a:solidFill>
+                  <a:srgbClr val="5C2699"/>
+                </a:solidFill>
+                <a:latin typeface="Arial"/>
+                <a:ea typeface="Arial"/>
+                <a:cs typeface="Arial"/>
+                <a:sym typeface="Arial"/>
               </a:defRPr>
             </a:pPr>
             <a:r>
@@ -33287,9 +33277,9 @@
             </a:r>
           </a:p>
           <a:p>
-            <a:pPr marL="457200" indent="-317500" defTabSz="457200">
+            <a:pPr marL="527755" indent="-388055" defTabSz="457200">
               <a:lnSpc>
-                <a:spcPts val="2300"/>
+                <a:spcPts val="1700"/>
               </a:lnSpc>
               <a:spcBef>
                 <a:spcPts val="0"/>
@@ -33300,14 +33290,14 @@
               <a:buSzPct val="100000"/>
               <a:buFont typeface="Menlo"/>
               <a:buChar char="•"/>
-              <a:defRPr b="0" sz="900">
-                <a:solidFill>
-                  <a:srgbClr val="333333"/>
-                </a:solidFill>
-                <a:latin typeface="Menlo"/>
-                <a:ea typeface="Menlo"/>
-                <a:cs typeface="Menlo"/>
-                <a:sym typeface="Menlo"/>
+              <a:defRPr b="0" sz="1100">
+                <a:solidFill>
+                  <a:srgbClr val="5C2699"/>
+                </a:solidFill>
+                <a:latin typeface="Arial"/>
+                <a:ea typeface="Arial"/>
+                <a:cs typeface="Arial"/>
+                <a:sym typeface="Arial"/>
               </a:defRPr>
             </a:pPr>
             <a:r>
@@ -33381,9 +33371,9 @@
             </a:r>
           </a:p>
           <a:p>
-            <a:pPr marL="457200" indent="-317500" defTabSz="457200">
+            <a:pPr marL="527755" indent="-388055" defTabSz="457200">
               <a:lnSpc>
-                <a:spcPts val="2300"/>
+                <a:spcPts val="1700"/>
               </a:lnSpc>
               <a:spcBef>
                 <a:spcPts val="0"/>
@@ -33394,14 +33384,14 @@
               <a:buSzPct val="100000"/>
               <a:buFont typeface="Menlo"/>
               <a:buChar char="•"/>
-              <a:defRPr b="0" sz="900">
-                <a:solidFill>
-                  <a:srgbClr val="333333"/>
-                </a:solidFill>
-                <a:latin typeface="Menlo"/>
-                <a:ea typeface="Menlo"/>
-                <a:cs typeface="Menlo"/>
-                <a:sym typeface="Menlo"/>
+              <a:defRPr b="0" sz="1100">
+                <a:solidFill>
+                  <a:srgbClr val="5C2699"/>
+                </a:solidFill>
+                <a:latin typeface="Arial"/>
+                <a:ea typeface="Arial"/>
+                <a:cs typeface="Arial"/>
+                <a:sym typeface="Arial"/>
               </a:defRPr>
             </a:pPr>
             <a:r>
@@ -33428,9 +33418,9 @@
             </a:r>
           </a:p>
           <a:p>
-            <a:pPr marL="457200" indent="-317500" defTabSz="457200">
+            <a:pPr marL="527755" indent="-388055" defTabSz="457200">
               <a:lnSpc>
-                <a:spcPts val="2300"/>
+                <a:spcPts val="1700"/>
               </a:lnSpc>
               <a:spcBef>
                 <a:spcPts val="0"/>
@@ -33441,14 +33431,14 @@
               <a:buSzPct val="100000"/>
               <a:buFont typeface="Menlo"/>
               <a:buChar char="•"/>
-              <a:defRPr b="0" sz="900">
-                <a:solidFill>
-                  <a:srgbClr val="333333"/>
-                </a:solidFill>
-                <a:latin typeface="Menlo"/>
-                <a:ea typeface="Menlo"/>
-                <a:cs typeface="Menlo"/>
-                <a:sym typeface="Menlo"/>
+              <a:defRPr b="0" sz="1100">
+                <a:solidFill>
+                  <a:srgbClr val="5C2699"/>
+                </a:solidFill>
+                <a:latin typeface="Arial"/>
+                <a:ea typeface="Arial"/>
+                <a:cs typeface="Arial"/>
+                <a:sym typeface="Arial"/>
               </a:defRPr>
             </a:pPr>
             <a:r>
@@ -33467,9 +33457,9 @@
             </a:r>
           </a:p>
           <a:p>
-            <a:pPr marL="457200" indent="-317500" defTabSz="457200">
+            <a:pPr marL="527755" indent="-388055" defTabSz="457200">
               <a:lnSpc>
-                <a:spcPts val="2300"/>
+                <a:spcPts val="1700"/>
               </a:lnSpc>
               <a:spcBef>
                 <a:spcPts val="0"/>
@@ -33480,14 +33470,14 @@
               <a:buSzPct val="100000"/>
               <a:buFont typeface="Menlo"/>
               <a:buChar char="•"/>
-              <a:defRPr b="0" sz="900">
-                <a:solidFill>
-                  <a:srgbClr val="333333"/>
-                </a:solidFill>
-                <a:latin typeface="Menlo"/>
-                <a:ea typeface="Menlo"/>
-                <a:cs typeface="Menlo"/>
-                <a:sym typeface="Menlo"/>
+              <a:defRPr b="0" sz="1100">
+                <a:solidFill>
+                  <a:srgbClr val="5C2699"/>
+                </a:solidFill>
+                <a:latin typeface="Arial"/>
+                <a:ea typeface="Arial"/>
+                <a:cs typeface="Arial"/>
+                <a:sym typeface="Arial"/>
               </a:defRPr>
             </a:pPr>
             <a:r>
@@ -33514,9 +33504,9 @@
             </a:r>
           </a:p>
           <a:p>
-            <a:pPr marL="457200" indent="-317500" defTabSz="457200">
+            <a:pPr marL="527755" indent="-388055" defTabSz="457200">
               <a:lnSpc>
-                <a:spcPts val="2300"/>
+                <a:spcPts val="1700"/>
               </a:lnSpc>
               <a:spcBef>
                 <a:spcPts val="0"/>
@@ -33527,14 +33517,14 @@
               <a:buSzPct val="100000"/>
               <a:buFont typeface="Menlo"/>
               <a:buChar char="•"/>
-              <a:defRPr b="0" sz="900">
-                <a:solidFill>
-                  <a:srgbClr val="333333"/>
-                </a:solidFill>
-                <a:latin typeface="Menlo"/>
-                <a:ea typeface="Menlo"/>
-                <a:cs typeface="Menlo"/>
-                <a:sym typeface="Menlo"/>
+              <a:defRPr b="0" sz="1100">
+                <a:solidFill>
+                  <a:srgbClr val="5C2699"/>
+                </a:solidFill>
+                <a:latin typeface="Arial"/>
+                <a:ea typeface="Arial"/>
+                <a:cs typeface="Arial"/>
+                <a:sym typeface="Arial"/>
               </a:defRPr>
             </a:pPr>
             <a:r>
@@ -33542,9 +33532,9 @@
             </a:r>
           </a:p>
           <a:p>
-            <a:pPr marL="457200" indent="-317500" defTabSz="457200">
+            <a:pPr marL="527755" indent="-388055" defTabSz="457200">
               <a:lnSpc>
-                <a:spcPts val="2300"/>
+                <a:spcPts val="1700"/>
               </a:lnSpc>
               <a:spcBef>
                 <a:spcPts val="0"/>
@@ -33555,14 +33545,14 @@
               <a:buSzPct val="100000"/>
               <a:buFont typeface="Menlo"/>
               <a:buChar char="•"/>
-              <a:defRPr b="0" sz="900">
-                <a:solidFill>
-                  <a:srgbClr val="333333"/>
-                </a:solidFill>
-                <a:latin typeface="Menlo"/>
-                <a:ea typeface="Menlo"/>
-                <a:cs typeface="Menlo"/>
-                <a:sym typeface="Menlo"/>
+              <a:defRPr b="0" sz="1100">
+                <a:solidFill>
+                  <a:srgbClr val="5C2699"/>
+                </a:solidFill>
+                <a:latin typeface="Arial"/>
+                <a:ea typeface="Arial"/>
+                <a:cs typeface="Arial"/>
+                <a:sym typeface="Arial"/>
               </a:defRPr>
             </a:pPr>
             <a:r>
@@ -33570,9 +33560,9 @@
             </a:r>
           </a:p>
           <a:p>
-            <a:pPr marL="457200" indent="-317500" defTabSz="457200">
+            <a:pPr marL="527755" indent="-388055" defTabSz="457200">
               <a:lnSpc>
-                <a:spcPts val="2300"/>
+                <a:spcPts val="1700"/>
               </a:lnSpc>
               <a:spcBef>
                 <a:spcPts val="0"/>
@@ -33583,14 +33573,14 @@
               <a:buSzPct val="100000"/>
               <a:buFont typeface="Menlo"/>
               <a:buChar char="•"/>
-              <a:defRPr b="0" sz="900">
-                <a:solidFill>
-                  <a:srgbClr val="333333"/>
-                </a:solidFill>
-                <a:latin typeface="Menlo"/>
-                <a:ea typeface="Menlo"/>
-                <a:cs typeface="Menlo"/>
-                <a:sym typeface="Menlo"/>
+              <a:defRPr b="0" sz="1100">
+                <a:solidFill>
+                  <a:srgbClr val="5C2699"/>
+                </a:solidFill>
+                <a:latin typeface="Arial"/>
+                <a:ea typeface="Arial"/>
+                <a:cs typeface="Arial"/>
+                <a:sym typeface="Arial"/>
               </a:defRPr>
             </a:pPr>
             <a:r>
@@ -33743,7 +33733,7 @@
         <p:spPr>
           <a:xfrm>
             <a:off x="762931" y="1127344"/>
-            <a:ext cx="3657989" cy="2694941"/>
+            <a:ext cx="3178829" cy="3316365"/>
           </a:xfrm>
           <a:prstGeom prst="rect">
             <a:avLst/>
@@ -33763,9 +33753,9 @@
           </a:bodyPr>
           <a:lstStyle/>
           <a:p>
-            <a:pPr marL="457200" indent="-317500" defTabSz="457200">
+            <a:pPr marL="527755" indent="-388055" defTabSz="457200">
               <a:lnSpc>
-                <a:spcPts val="2300"/>
+                <a:spcPts val="1700"/>
               </a:lnSpc>
               <a:spcBef>
                 <a:spcPts val="0"/>
@@ -33776,14 +33766,14 @@
               <a:buSzPct val="100000"/>
               <a:buFont typeface="Menlo"/>
               <a:buChar char="•"/>
-              <a:defRPr b="0" sz="900">
-                <a:solidFill>
-                  <a:srgbClr val="3F6E74"/>
-                </a:solidFill>
-                <a:latin typeface="Menlo"/>
-                <a:ea typeface="Menlo"/>
-                <a:cs typeface="Menlo"/>
-                <a:sym typeface="Menlo"/>
+              <a:defRPr b="0" sz="1100">
+                <a:solidFill>
+                  <a:srgbClr val="5C2699"/>
+                </a:solidFill>
+                <a:latin typeface="Arial"/>
+                <a:ea typeface="Arial"/>
+                <a:cs typeface="Arial"/>
+                <a:sym typeface="Arial"/>
               </a:defRPr>
             </a:pPr>
             <a:r>
@@ -33841,11 +33831,6 @@
               <a:t>: [</a:t>
             </a:r>
             <a:r>
-              <a:rPr>
-                <a:solidFill>
-                  <a:srgbClr val="5C2699"/>
-                </a:solidFill>
-              </a:rPr>
               <a:t>Int</a:t>
             </a:r>
             <a:r>
@@ -33863,9 +33848,9 @@
             </a:endParaRPr>
           </a:p>
           <a:p>
-            <a:pPr marL="457200" indent="-317500" defTabSz="457200">
+            <a:pPr marL="527755" indent="-388055" defTabSz="457200">
               <a:lnSpc>
-                <a:spcPts val="2300"/>
+                <a:spcPts val="1700"/>
               </a:lnSpc>
               <a:spcBef>
                 <a:spcPts val="0"/>
@@ -33876,14 +33861,14 @@
               <a:buSzPct val="100000"/>
               <a:buFont typeface="Menlo"/>
               <a:buChar char="•"/>
-              <a:defRPr b="0" sz="900">
-                <a:solidFill>
-                  <a:srgbClr val="333333"/>
-                </a:solidFill>
-                <a:latin typeface="Menlo"/>
-                <a:ea typeface="Menlo"/>
-                <a:cs typeface="Menlo"/>
-                <a:sym typeface="Menlo"/>
+              <a:defRPr b="0" sz="1100">
+                <a:solidFill>
+                  <a:srgbClr val="5C2699"/>
+                </a:solidFill>
+                <a:latin typeface="Arial"/>
+                <a:ea typeface="Arial"/>
+                <a:cs typeface="Arial"/>
+                <a:sym typeface="Arial"/>
               </a:defRPr>
             </a:pPr>
             <a:r>
@@ -33935,9 +33920,9 @@
             </a:r>
           </a:p>
           <a:p>
-            <a:pPr marL="457200" indent="-317500" defTabSz="457200">
+            <a:pPr marL="527755" indent="-388055" defTabSz="457200">
               <a:lnSpc>
-                <a:spcPts val="2300"/>
+                <a:spcPts val="1700"/>
               </a:lnSpc>
               <a:spcBef>
                 <a:spcPts val="0"/>
@@ -33948,14 +33933,14 @@
               <a:buSzPct val="100000"/>
               <a:buFont typeface="Menlo"/>
               <a:buChar char="•"/>
-              <a:defRPr b="0" sz="900">
-                <a:solidFill>
-                  <a:srgbClr val="333333"/>
-                </a:solidFill>
-                <a:latin typeface="Menlo"/>
-                <a:ea typeface="Menlo"/>
-                <a:cs typeface="Menlo"/>
-                <a:sym typeface="Menlo"/>
+              <a:defRPr b="0" sz="1100">
+                <a:solidFill>
+                  <a:srgbClr val="5C2699"/>
+                </a:solidFill>
+                <a:latin typeface="Arial"/>
+                <a:ea typeface="Arial"/>
+                <a:cs typeface="Arial"/>
+                <a:sym typeface="Arial"/>
               </a:defRPr>
             </a:pPr>
             <a:r>
@@ -33996,9 +33981,9 @@
             </a:r>
           </a:p>
           <a:p>
-            <a:pPr marL="457200" indent="-317500" defTabSz="457200">
+            <a:pPr marL="527755" indent="-388055" defTabSz="457200">
               <a:lnSpc>
-                <a:spcPts val="2300"/>
+                <a:spcPts val="1700"/>
               </a:lnSpc>
               <a:spcBef>
                 <a:spcPts val="0"/>
@@ -34009,14 +33994,14 @@
               <a:buSzPct val="100000"/>
               <a:buFont typeface="Menlo"/>
               <a:buChar char="•"/>
-              <a:defRPr b="0" sz="900">
-                <a:solidFill>
-                  <a:srgbClr val="333333"/>
-                </a:solidFill>
-                <a:latin typeface="Menlo"/>
-                <a:ea typeface="Menlo"/>
-                <a:cs typeface="Menlo"/>
-                <a:sym typeface="Menlo"/>
+              <a:defRPr b="0" sz="1100">
+                <a:solidFill>
+                  <a:srgbClr val="5C2699"/>
+                </a:solidFill>
+                <a:latin typeface="Arial"/>
+                <a:ea typeface="Arial"/>
+                <a:cs typeface="Arial"/>
+                <a:sym typeface="Arial"/>
               </a:defRPr>
             </a:pPr>
             <a:r>
@@ -34046,9 +34031,9 @@
             </a:r>
           </a:p>
           <a:p>
-            <a:pPr marL="457200" indent="-317500" defTabSz="457200">
+            <a:pPr marL="527755" indent="-388055" defTabSz="457200">
               <a:lnSpc>
-                <a:spcPts val="2300"/>
+                <a:spcPts val="1700"/>
               </a:lnSpc>
               <a:spcBef>
                 <a:spcPts val="0"/>
@@ -34059,14 +34044,14 @@
               <a:buSzPct val="100000"/>
               <a:buFont typeface="Menlo"/>
               <a:buChar char="•"/>
-              <a:defRPr b="0" sz="900">
-                <a:solidFill>
-                  <a:srgbClr val="333333"/>
-                </a:solidFill>
-                <a:latin typeface="Menlo"/>
-                <a:ea typeface="Menlo"/>
-                <a:cs typeface="Menlo"/>
-                <a:sym typeface="Menlo"/>
+              <a:defRPr b="0" sz="1100">
+                <a:solidFill>
+                  <a:srgbClr val="5C2699"/>
+                </a:solidFill>
+                <a:latin typeface="Arial"/>
+                <a:ea typeface="Arial"/>
+                <a:cs typeface="Arial"/>
+                <a:sym typeface="Arial"/>
               </a:defRPr>
             </a:pPr>
             <a:r>
@@ -34118,9 +34103,9 @@
             </a:r>
           </a:p>
           <a:p>
-            <a:pPr marL="457200" indent="-317500" defTabSz="457200">
+            <a:pPr marL="527755" indent="-388055" defTabSz="457200">
               <a:lnSpc>
-                <a:spcPts val="2300"/>
+                <a:spcPts val="1700"/>
               </a:lnSpc>
               <a:spcBef>
                 <a:spcPts val="0"/>
@@ -34131,14 +34116,14 @@
               <a:buSzPct val="100000"/>
               <a:buFont typeface="Menlo"/>
               <a:buChar char="•"/>
-              <a:defRPr b="0" sz="900">
-                <a:solidFill>
-                  <a:srgbClr val="333333"/>
-                </a:solidFill>
-                <a:latin typeface="Menlo"/>
-                <a:ea typeface="Menlo"/>
-                <a:cs typeface="Menlo"/>
-                <a:sym typeface="Menlo"/>
+              <a:defRPr b="0" sz="1100">
+                <a:solidFill>
+                  <a:srgbClr val="5C2699"/>
+                </a:solidFill>
+                <a:latin typeface="Arial"/>
+                <a:ea typeface="Arial"/>
+                <a:cs typeface="Arial"/>
+                <a:sym typeface="Arial"/>
               </a:defRPr>
             </a:pPr>
             <a:r>
@@ -34168,9 +34153,9 @@
             </a:r>
           </a:p>
           <a:p>
-            <a:pPr marL="457200" indent="-317500" defTabSz="457200">
+            <a:pPr marL="527755" indent="-388055" defTabSz="457200">
               <a:lnSpc>
-                <a:spcPts val="2300"/>
+                <a:spcPts val="1700"/>
               </a:lnSpc>
               <a:spcBef>
                 <a:spcPts val="0"/>
@@ -34181,14 +34166,14 @@
               <a:buSzPct val="100000"/>
               <a:buFont typeface="Menlo"/>
               <a:buChar char="•"/>
-              <a:defRPr b="0" sz="900">
-                <a:solidFill>
-                  <a:srgbClr val="333333"/>
-                </a:solidFill>
-                <a:latin typeface="Menlo"/>
-                <a:ea typeface="Menlo"/>
-                <a:cs typeface="Menlo"/>
-                <a:sym typeface="Menlo"/>
+              <a:defRPr b="0" sz="1100">
+                <a:solidFill>
+                  <a:srgbClr val="5C2699"/>
+                </a:solidFill>
+                <a:latin typeface="Arial"/>
+                <a:ea typeface="Arial"/>
+                <a:cs typeface="Arial"/>
+                <a:sym typeface="Arial"/>
               </a:defRPr>
             </a:pPr>
             <a:r>
@@ -34240,9 +34225,9 @@
             </a:r>
           </a:p>
           <a:p>
-            <a:pPr marL="457200" indent="-317500" defTabSz="457200">
+            <a:pPr marL="527755" indent="-388055" defTabSz="457200">
               <a:lnSpc>
-                <a:spcPts val="2300"/>
+                <a:spcPts val="1700"/>
               </a:lnSpc>
               <a:spcBef>
                 <a:spcPts val="0"/>
@@ -34253,14 +34238,14 @@
               <a:buSzPct val="100000"/>
               <a:buFont typeface="Menlo"/>
               <a:buChar char="•"/>
-              <a:defRPr b="0" sz="900">
-                <a:solidFill>
-                  <a:srgbClr val="333333"/>
-                </a:solidFill>
-                <a:latin typeface="Menlo"/>
-                <a:ea typeface="Menlo"/>
-                <a:cs typeface="Menlo"/>
-                <a:sym typeface="Menlo"/>
+              <a:defRPr b="0" sz="1100">
+                <a:solidFill>
+                  <a:srgbClr val="5C2699"/>
+                </a:solidFill>
+                <a:latin typeface="Arial"/>
+                <a:ea typeface="Arial"/>
+                <a:cs typeface="Arial"/>
+                <a:sym typeface="Arial"/>
               </a:defRPr>
             </a:pPr>
             <a:r>
@@ -34290,9 +34275,9 @@
             </a:r>
           </a:p>
           <a:p>
-            <a:pPr marL="457200" indent="-317500" defTabSz="457200">
+            <a:pPr marL="527755" indent="-388055" defTabSz="457200">
               <a:lnSpc>
-                <a:spcPts val="2300"/>
+                <a:spcPts val="1700"/>
               </a:lnSpc>
               <a:spcBef>
                 <a:spcPts val="0"/>
@@ -34303,14 +34288,14 @@
               <a:buSzPct val="100000"/>
               <a:buFont typeface="Menlo"/>
               <a:buChar char="•"/>
-              <a:defRPr b="0" sz="900">
-                <a:solidFill>
-                  <a:srgbClr val="333333"/>
-                </a:solidFill>
-                <a:latin typeface="Menlo"/>
-                <a:ea typeface="Menlo"/>
-                <a:cs typeface="Menlo"/>
-                <a:sym typeface="Menlo"/>
+              <a:defRPr b="0" sz="1100">
+                <a:solidFill>
+                  <a:srgbClr val="5C2699"/>
+                </a:solidFill>
+                <a:latin typeface="Arial"/>
+                <a:ea typeface="Arial"/>
+                <a:cs typeface="Arial"/>
+                <a:sym typeface="Arial"/>
               </a:defRPr>
             </a:pPr>
             <a:r>
@@ -34362,9 +34347,9 @@
             </a:r>
           </a:p>
           <a:p>
-            <a:pPr marL="457200" indent="-317500" defTabSz="457200">
+            <a:pPr marL="527755" indent="-388055" defTabSz="457200">
               <a:lnSpc>
-                <a:spcPts val="2300"/>
+                <a:spcPts val="1700"/>
               </a:lnSpc>
               <a:spcBef>
                 <a:spcPts val="0"/>
@@ -34375,14 +34360,14 @@
               <a:buSzPct val="100000"/>
               <a:buFont typeface="Menlo"/>
               <a:buChar char="•"/>
-              <a:defRPr b="0" sz="900">
-                <a:solidFill>
-                  <a:srgbClr val="333333"/>
-                </a:solidFill>
-                <a:latin typeface="Menlo"/>
-                <a:ea typeface="Menlo"/>
-                <a:cs typeface="Menlo"/>
-                <a:sym typeface="Menlo"/>
+              <a:defRPr b="0" sz="1100">
+                <a:solidFill>
+                  <a:srgbClr val="5C2699"/>
+                </a:solidFill>
+                <a:latin typeface="Arial"/>
+                <a:ea typeface="Arial"/>
+                <a:cs typeface="Arial"/>
+                <a:sym typeface="Arial"/>
               </a:defRPr>
             </a:pPr>
             <a:r>
@@ -34390,9 +34375,9 @@
             </a:r>
           </a:p>
           <a:p>
-            <a:pPr marL="457200" indent="-317500" defTabSz="457200">
+            <a:pPr marL="527755" indent="-388055" defTabSz="457200">
               <a:lnSpc>
-                <a:spcPts val="2300"/>
+                <a:spcPts val="1700"/>
               </a:lnSpc>
               <a:spcBef>
                 <a:spcPts val="0"/>
@@ -34403,14 +34388,14 @@
               <a:buSzPct val="100000"/>
               <a:buFont typeface="Menlo"/>
               <a:buChar char="•"/>
-              <a:defRPr b="0" sz="900">
-                <a:solidFill>
-                  <a:srgbClr val="333333"/>
-                </a:solidFill>
-                <a:latin typeface="Menlo"/>
-                <a:ea typeface="Menlo"/>
-                <a:cs typeface="Menlo"/>
-                <a:sym typeface="Menlo"/>
+              <a:defRPr b="0" sz="1100">
+                <a:solidFill>
+                  <a:srgbClr val="5C2699"/>
+                </a:solidFill>
+                <a:latin typeface="Arial"/>
+                <a:ea typeface="Arial"/>
+                <a:cs typeface="Arial"/>
+                <a:sym typeface="Arial"/>
               </a:defRPr>
             </a:pPr>
             <a:r>
@@ -34418,9 +34403,9 @@
             </a:r>
           </a:p>
           <a:p>
-            <a:pPr marL="457200" indent="-317500" defTabSz="457200">
+            <a:pPr marL="527755" indent="-388055" defTabSz="457200">
               <a:lnSpc>
-                <a:spcPts val="2300"/>
+                <a:spcPts val="1700"/>
               </a:lnSpc>
               <a:spcBef>
                 <a:spcPts val="0"/>
@@ -34431,14 +34416,14 @@
               <a:buSzPct val="100000"/>
               <a:buFont typeface="Menlo"/>
               <a:buChar char="•"/>
-              <a:defRPr b="0" sz="900">
-                <a:solidFill>
-                  <a:srgbClr val="333333"/>
-                </a:solidFill>
-                <a:latin typeface="Menlo"/>
-                <a:ea typeface="Menlo"/>
-                <a:cs typeface="Menlo"/>
-                <a:sym typeface="Menlo"/>
+              <a:defRPr b="0" sz="1100">
+                <a:solidFill>
+                  <a:srgbClr val="5C2699"/>
+                </a:solidFill>
+                <a:latin typeface="Arial"/>
+                <a:ea typeface="Arial"/>
+                <a:cs typeface="Arial"/>
+                <a:sym typeface="Arial"/>
               </a:defRPr>
             </a:pPr>
             <a:r>
@@ -34468,9 +34453,9 @@
             </a:r>
           </a:p>
           <a:p>
-            <a:pPr marL="457200" indent="-317500" defTabSz="457200">
+            <a:pPr marL="527755" indent="-388055" defTabSz="457200">
               <a:lnSpc>
-                <a:spcPts val="2300"/>
+                <a:spcPts val="1700"/>
               </a:lnSpc>
               <a:spcBef>
                 <a:spcPts val="0"/>
@@ -34481,14 +34466,14 @@
               <a:buSzPct val="100000"/>
               <a:buFont typeface="Menlo"/>
               <a:buChar char="•"/>
-              <a:defRPr b="0" sz="900">
-                <a:solidFill>
-                  <a:srgbClr val="333333"/>
-                </a:solidFill>
-                <a:latin typeface="Menlo"/>
-                <a:ea typeface="Menlo"/>
-                <a:cs typeface="Menlo"/>
-                <a:sym typeface="Menlo"/>
+              <a:defRPr b="0" sz="1100">
+                <a:solidFill>
+                  <a:srgbClr val="5C2699"/>
+                </a:solidFill>
+                <a:latin typeface="Arial"/>
+                <a:ea typeface="Arial"/>
+                <a:cs typeface="Arial"/>
+                <a:sym typeface="Arial"/>
               </a:defRPr>
             </a:pPr>
             <a:r>
@@ -34496,9 +34481,9 @@
             </a:r>
           </a:p>
           <a:p>
-            <a:pPr marL="457200" indent="-317500" defTabSz="457200">
+            <a:pPr marL="527755" indent="-388055" defTabSz="457200">
               <a:lnSpc>
-                <a:spcPts val="2300"/>
+                <a:spcPts val="1700"/>
               </a:lnSpc>
               <a:spcBef>
                 <a:spcPts val="0"/>
@@ -34509,14 +34494,14 @@
               <a:buSzPct val="100000"/>
               <a:buFont typeface="Menlo"/>
               <a:buChar char="•"/>
-              <a:defRPr b="0" sz="900">
-                <a:solidFill>
-                  <a:srgbClr val="3F6E74"/>
-                </a:solidFill>
-                <a:latin typeface="Menlo"/>
-                <a:ea typeface="Menlo"/>
-                <a:cs typeface="Menlo"/>
-                <a:sym typeface="Menlo"/>
+              <a:defRPr b="0" sz="1100">
+                <a:solidFill>
+                  <a:srgbClr val="5C2699"/>
+                </a:solidFill>
+                <a:latin typeface="Arial"/>
+                <a:ea typeface="Arial"/>
+                <a:cs typeface="Arial"/>
+                <a:sym typeface="Arial"/>
               </a:defRPr>
             </a:pPr>
             <a:r>
@@ -34649,9 +34634,9 @@
             </a:endParaRPr>
           </a:p>
           <a:p>
-            <a:pPr marL="457200" indent="-317500" defTabSz="457200">
+            <a:pPr marL="527755" indent="-388055" defTabSz="457200">
               <a:lnSpc>
-                <a:spcPts val="2300"/>
+                <a:spcPts val="1700"/>
               </a:lnSpc>
               <a:spcBef>
                 <a:spcPts val="0"/>
@@ -34662,24 +34647,19 @@
               <a:buSzPct val="100000"/>
               <a:buFont typeface="Menlo"/>
               <a:buChar char="•"/>
-              <a:defRPr b="0" sz="900">
-                <a:solidFill>
-                  <a:srgbClr val="007400"/>
-                </a:solidFill>
-                <a:latin typeface="Menlo"/>
-                <a:ea typeface="Menlo"/>
-                <a:cs typeface="Menlo"/>
-                <a:sym typeface="Menlo"/>
+              <a:defRPr b="0" sz="1100">
+                <a:solidFill>
+                  <a:srgbClr val="5C2699"/>
+                </a:solidFill>
+                <a:latin typeface="Arial"/>
+                <a:ea typeface="Arial"/>
+                <a:cs typeface="Arial"/>
+                <a:sym typeface="Arial"/>
               </a:defRPr>
             </a:pPr>
             <a:r>
               <a:t>// Prints "+ + - 0 - 0 + "</a:t>
             </a:r>
-            <a:endParaRPr>
-              <a:solidFill>
-                <a:srgbClr val="333333"/>
-              </a:solidFill>
-            </a:endParaRPr>
           </a:p>
         </p:txBody>
       </p:sp>
@@ -35120,7 +35100,7 @@
         <p:spPr>
           <a:xfrm>
             <a:off x="615302" y="1105948"/>
-            <a:ext cx="4277318" cy="548641"/>
+            <a:ext cx="5597574" cy="1023502"/>
           </a:xfrm>
           <a:prstGeom prst="rect">
             <a:avLst/>
@@ -35140,9 +35120,9 @@
           </a:bodyPr>
           <a:lstStyle/>
           <a:p>
-            <a:pPr marL="457200" indent="-317500" defTabSz="457200">
+            <a:pPr marL="704144" indent="-564444" defTabSz="457200">
               <a:lnSpc>
-                <a:spcPts val="2300"/>
+                <a:spcPts val="2500"/>
               </a:lnSpc>
               <a:spcBef>
                 <a:spcPts val="0"/>
@@ -35153,14 +35133,14 @@
               <a:buSzPct val="100000"/>
               <a:buFont typeface="Menlo"/>
               <a:buChar char="•"/>
-              <a:defRPr b="0" sz="900">
-                <a:solidFill>
-                  <a:srgbClr val="AA0D91"/>
-                </a:solidFill>
-                <a:latin typeface="Menlo"/>
-                <a:ea typeface="Menlo"/>
-                <a:cs typeface="Menlo"/>
-                <a:sym typeface="Menlo"/>
+              <a:defRPr b="0" sz="1600">
+                <a:solidFill>
+                  <a:srgbClr val="5C2699"/>
+                </a:solidFill>
+                <a:latin typeface="Arial"/>
+                <a:ea typeface="Arial"/>
+                <a:cs typeface="Arial"/>
+                <a:sym typeface="Arial"/>
               </a:defRPr>
             </a:pPr>
             <a:r>
@@ -35175,11 +35155,6 @@
               <a:t> </a:t>
             </a:r>
             <a:r>
-              <a:rPr>
-                <a:solidFill>
-                  <a:srgbClr val="5C2699"/>
-                </a:solidFill>
-              </a:rPr>
               <a:t>SomeType</a:t>
             </a:r>
             <a:r>
@@ -35197,9 +35172,9 @@
             </a:endParaRPr>
           </a:p>
           <a:p>
-            <a:pPr marL="457200" indent="-317500" defTabSz="457200">
+            <a:pPr marL="704144" indent="-564444" defTabSz="457200">
               <a:lnSpc>
-                <a:spcPts val="2300"/>
+                <a:spcPts val="2500"/>
               </a:lnSpc>
               <a:spcBef>
                 <a:spcPts val="0"/>
@@ -35210,14 +35185,14 @@
               <a:buSzPct val="100000"/>
               <a:buFont typeface="Menlo"/>
               <a:buChar char="•"/>
-              <a:defRPr b="0" sz="900">
-                <a:solidFill>
-                  <a:srgbClr val="007400"/>
-                </a:solidFill>
-                <a:latin typeface="Menlo"/>
-                <a:ea typeface="Menlo"/>
-                <a:cs typeface="Menlo"/>
-                <a:sym typeface="Menlo"/>
+              <a:defRPr b="0" sz="1600">
+                <a:solidFill>
+                  <a:srgbClr val="5C2699"/>
+                </a:solidFill>
+                <a:latin typeface="Arial"/>
+                <a:ea typeface="Arial"/>
+                <a:cs typeface="Arial"/>
+                <a:sym typeface="Arial"/>
               </a:defRPr>
             </a:pPr>
             <a:r>
@@ -35238,9 +35213,9 @@
             </a:endParaRPr>
           </a:p>
           <a:p>
-            <a:pPr marL="457200" indent="-317500" defTabSz="457200">
+            <a:pPr marL="704144" indent="-564444" defTabSz="457200">
               <a:lnSpc>
-                <a:spcPts val="2300"/>
+                <a:spcPts val="2500"/>
               </a:lnSpc>
               <a:spcBef>
                 <a:spcPts val="0"/>
@@ -35251,14 +35226,14 @@
               <a:buSzPct val="100000"/>
               <a:buFont typeface="Menlo"/>
               <a:buChar char="•"/>
-              <a:defRPr b="0" sz="900">
-                <a:solidFill>
-                  <a:srgbClr val="333333"/>
-                </a:solidFill>
-                <a:latin typeface="Menlo"/>
-                <a:ea typeface="Menlo"/>
-                <a:cs typeface="Menlo"/>
-                <a:sym typeface="Menlo"/>
+              <a:defRPr b="0" sz="1600">
+                <a:solidFill>
+                  <a:srgbClr val="5C2699"/>
+                </a:solidFill>
+                <a:latin typeface="Arial"/>
+                <a:ea typeface="Arial"/>
+                <a:cs typeface="Arial"/>
+                <a:sym typeface="Arial"/>
               </a:defRPr>
             </a:pPr>
             <a:r>
@@ -35275,8 +35250,8 @@
         </p:nvSpPr>
         <p:spPr>
           <a:xfrm>
-            <a:off x="609217" y="1844445"/>
-            <a:ext cx="4483762" cy="548641"/>
+            <a:off x="613478" y="2259252"/>
+            <a:ext cx="5845721" cy="1023502"/>
           </a:xfrm>
           <a:prstGeom prst="rect">
             <a:avLst/>
@@ -35296,9 +35271,9 @@
           </a:bodyPr>
           <a:lstStyle/>
           <a:p>
-            <a:pPr marL="457200" indent="-317500" defTabSz="457200">
+            <a:pPr marL="704144" indent="-564444" defTabSz="457200">
               <a:lnSpc>
-                <a:spcPts val="2300"/>
+                <a:spcPts val="2500"/>
               </a:lnSpc>
               <a:spcBef>
                 <a:spcPts val="0"/>
@@ -35309,14 +35284,14 @@
               <a:buSzPct val="100000"/>
               <a:buFont typeface="Menlo"/>
               <a:buChar char="•"/>
-              <a:defRPr b="0" sz="900">
+              <a:defRPr b="0" sz="1600">
                 <a:solidFill>
                   <a:srgbClr val="5C2699"/>
                 </a:solidFill>
-                <a:latin typeface="Menlo"/>
-                <a:ea typeface="Menlo"/>
-                <a:cs typeface="Menlo"/>
-                <a:sym typeface="Menlo"/>
+                <a:latin typeface="Arial"/>
+                <a:ea typeface="Arial"/>
+                <a:cs typeface="Arial"/>
+                <a:sym typeface="Arial"/>
               </a:defRPr>
             </a:pPr>
             <a:r>
@@ -35375,9 +35350,9 @@
             </a:endParaRPr>
           </a:p>
           <a:p>
-            <a:pPr marL="457200" indent="-317500" defTabSz="457200">
+            <a:pPr marL="704144" indent="-564444" defTabSz="457200">
               <a:lnSpc>
-                <a:spcPts val="2300"/>
+                <a:spcPts val="2500"/>
               </a:lnSpc>
               <a:spcBef>
                 <a:spcPts val="0"/>
@@ -35388,14 +35363,14 @@
               <a:buSzPct val="100000"/>
               <a:buFont typeface="Menlo"/>
               <a:buChar char="•"/>
-              <a:defRPr b="0" sz="900">
-                <a:solidFill>
-                  <a:srgbClr val="007400"/>
-                </a:solidFill>
-                <a:latin typeface="Menlo"/>
-                <a:ea typeface="Menlo"/>
-                <a:cs typeface="Menlo"/>
-                <a:sym typeface="Menlo"/>
+              <a:defRPr b="0" sz="1600">
+                <a:solidFill>
+                  <a:srgbClr val="5C2699"/>
+                </a:solidFill>
+                <a:latin typeface="Arial"/>
+                <a:ea typeface="Arial"/>
+                <a:cs typeface="Arial"/>
+                <a:sym typeface="Arial"/>
               </a:defRPr>
             </a:pPr>
             <a:r>
@@ -35416,9 +35391,9 @@
             </a:endParaRPr>
           </a:p>
           <a:p>
-            <a:pPr marL="457200" indent="-317500" defTabSz="457200">
+            <a:pPr marL="704144" indent="-564444" defTabSz="457200">
               <a:lnSpc>
-                <a:spcPts val="2300"/>
+                <a:spcPts val="2500"/>
               </a:lnSpc>
               <a:spcBef>
                 <a:spcPts val="0"/>
@@ -35429,14 +35404,14 @@
               <a:buSzPct val="100000"/>
               <a:buFont typeface="Menlo"/>
               <a:buChar char="•"/>
-              <a:defRPr b="0" sz="900">
-                <a:solidFill>
-                  <a:srgbClr val="333333"/>
-                </a:solidFill>
-                <a:latin typeface="Menlo"/>
-                <a:ea typeface="Menlo"/>
-                <a:cs typeface="Menlo"/>
-                <a:sym typeface="Menlo"/>
+              <a:defRPr b="0" sz="1600">
+                <a:solidFill>
+                  <a:srgbClr val="5C2699"/>
+                </a:solidFill>
+                <a:latin typeface="Arial"/>
+                <a:ea typeface="Arial"/>
+                <a:cs typeface="Arial"/>
+                <a:sym typeface="Arial"/>
               </a:defRPr>
             </a:pPr>
             <a:r>
@@ -35589,7 +35564,7 @@
         <p:spPr>
           <a:xfrm>
             <a:off x="760174" y="1135774"/>
-            <a:ext cx="4070876" cy="2364741"/>
+            <a:ext cx="3845201" cy="3100466"/>
           </a:xfrm>
           <a:prstGeom prst="rect">
             <a:avLst/>
@@ -35609,9 +35584,9 @@
           </a:bodyPr>
           <a:lstStyle/>
           <a:p>
-            <a:pPr marL="457200" indent="-317500" defTabSz="457200">
+            <a:pPr marL="527755" indent="-388055" defTabSz="457200">
               <a:lnSpc>
-                <a:spcPts val="2300"/>
+                <a:spcPts val="1700"/>
               </a:lnSpc>
               <a:spcBef>
                 <a:spcPts val="0"/>
@@ -35622,14 +35597,14 @@
               <a:buSzPct val="100000"/>
               <a:buFont typeface="Menlo"/>
               <a:buChar char="•"/>
-              <a:defRPr b="0" sz="900">
-                <a:solidFill>
-                  <a:srgbClr val="AA0D91"/>
-                </a:solidFill>
-                <a:latin typeface="Menlo"/>
-                <a:ea typeface="Menlo"/>
-                <a:cs typeface="Menlo"/>
-                <a:sym typeface="Menlo"/>
+              <a:defRPr b="0" sz="1100">
+                <a:solidFill>
+                  <a:srgbClr val="5C2699"/>
+                </a:solidFill>
+                <a:latin typeface="Arial"/>
+                <a:ea typeface="Arial"/>
+                <a:cs typeface="Arial"/>
+                <a:sym typeface="Arial"/>
               </a:defRPr>
             </a:pPr>
             <a:r>
@@ -35644,11 +35619,6 @@
               <a:t> </a:t>
             </a:r>
             <a:r>
-              <a:rPr>
-                <a:solidFill>
-                  <a:srgbClr val="5C2699"/>
-                </a:solidFill>
-              </a:rPr>
               <a:t>Double</a:t>
             </a:r>
             <a:r>
@@ -35666,9 +35636,9 @@
             </a:endParaRPr>
           </a:p>
           <a:p>
-            <a:pPr marL="457200" indent="-317500" defTabSz="457200">
+            <a:pPr marL="527755" indent="-388055" defTabSz="457200">
               <a:lnSpc>
-                <a:spcPts val="2300"/>
+                <a:spcPts val="1700"/>
               </a:lnSpc>
               <a:spcBef>
                 <a:spcPts val="0"/>
@@ -35679,14 +35649,14 @@
               <a:buSzPct val="100000"/>
               <a:buFont typeface="Menlo"/>
               <a:buChar char="•"/>
-              <a:defRPr b="0" sz="900">
-                <a:solidFill>
-                  <a:srgbClr val="333333"/>
-                </a:solidFill>
-                <a:latin typeface="Menlo"/>
-                <a:ea typeface="Menlo"/>
-                <a:cs typeface="Menlo"/>
-                <a:sym typeface="Menlo"/>
+              <a:defRPr b="0" sz="1100">
+                <a:solidFill>
+                  <a:srgbClr val="5C2699"/>
+                </a:solidFill>
+                <a:latin typeface="Arial"/>
+                <a:ea typeface="Arial"/>
+                <a:cs typeface="Arial"/>
+                <a:sym typeface="Arial"/>
               </a:defRPr>
             </a:pPr>
             <a:r>
@@ -35715,11 +35685,6 @@
               <a:t>: </a:t>
             </a:r>
             <a:r>
-              <a:rPr>
-                <a:solidFill>
-                  <a:srgbClr val="5C2699"/>
-                </a:solidFill>
-              </a:rPr>
               <a:t>Double</a:t>
             </a:r>
             <a:r>
@@ -35760,9 +35725,9 @@
             </a:r>
           </a:p>
           <a:p>
-            <a:pPr marL="457200" indent="-317500" defTabSz="457200">
+            <a:pPr marL="527755" indent="-388055" defTabSz="457200">
               <a:lnSpc>
-                <a:spcPts val="2300"/>
+                <a:spcPts val="1700"/>
               </a:lnSpc>
               <a:spcBef>
                 <a:spcPts val="0"/>
@@ -35773,14 +35738,14 @@
               <a:buSzPct val="100000"/>
               <a:buFont typeface="Menlo"/>
               <a:buChar char="•"/>
-              <a:defRPr b="0" sz="900">
-                <a:solidFill>
-                  <a:srgbClr val="333333"/>
-                </a:solidFill>
-                <a:latin typeface="Menlo"/>
-                <a:ea typeface="Menlo"/>
-                <a:cs typeface="Menlo"/>
-                <a:sym typeface="Menlo"/>
+              <a:defRPr b="0" sz="1100">
+                <a:solidFill>
+                  <a:srgbClr val="5C2699"/>
+                </a:solidFill>
+                <a:latin typeface="Arial"/>
+                <a:ea typeface="Arial"/>
+                <a:cs typeface="Arial"/>
+                <a:sym typeface="Arial"/>
               </a:defRPr>
             </a:pPr>
             <a:r>
@@ -35809,11 +35774,6 @@
               <a:t>: </a:t>
             </a:r>
             <a:r>
-              <a:rPr>
-                <a:solidFill>
-                  <a:srgbClr val="5C2699"/>
-                </a:solidFill>
-              </a:rPr>
               <a:t>Double</a:t>
             </a:r>
             <a:r>
@@ -35843,9 +35803,9 @@
             </a:r>
           </a:p>
           <a:p>
-            <a:pPr marL="457200" indent="-317500" defTabSz="457200">
+            <a:pPr marL="527755" indent="-388055" defTabSz="457200">
               <a:lnSpc>
-                <a:spcPts val="2300"/>
+                <a:spcPts val="1700"/>
               </a:lnSpc>
               <a:spcBef>
                 <a:spcPts val="0"/>
@@ -35856,14 +35816,14 @@
               <a:buSzPct val="100000"/>
               <a:buFont typeface="Menlo"/>
               <a:buChar char="•"/>
-              <a:defRPr b="0" sz="900">
-                <a:solidFill>
-                  <a:srgbClr val="333333"/>
-                </a:solidFill>
-                <a:latin typeface="Menlo"/>
-                <a:ea typeface="Menlo"/>
-                <a:cs typeface="Menlo"/>
-                <a:sym typeface="Menlo"/>
+              <a:defRPr b="0" sz="1100">
+                <a:solidFill>
+                  <a:srgbClr val="5C2699"/>
+                </a:solidFill>
+                <a:latin typeface="Arial"/>
+                <a:ea typeface="Arial"/>
+                <a:cs typeface="Arial"/>
+                <a:sym typeface="Arial"/>
               </a:defRPr>
             </a:pPr>
             <a:r>
@@ -35892,11 +35852,6 @@
               <a:t>: </a:t>
             </a:r>
             <a:r>
-              <a:rPr>
-                <a:solidFill>
-                  <a:srgbClr val="5C2699"/>
-                </a:solidFill>
-              </a:rPr>
               <a:t>Double</a:t>
             </a:r>
             <a:r>
@@ -35937,9 +35892,9 @@
             </a:r>
           </a:p>
           <a:p>
-            <a:pPr marL="457200" indent="-317500" defTabSz="457200">
+            <a:pPr marL="527755" indent="-388055" defTabSz="457200">
               <a:lnSpc>
-                <a:spcPts val="2300"/>
+                <a:spcPts val="1700"/>
               </a:lnSpc>
               <a:spcBef>
                 <a:spcPts val="0"/>
@@ -35950,14 +35905,14 @@
               <a:buSzPct val="100000"/>
               <a:buFont typeface="Menlo"/>
               <a:buChar char="•"/>
-              <a:defRPr b="0" sz="900">
-                <a:solidFill>
-                  <a:srgbClr val="333333"/>
-                </a:solidFill>
-                <a:latin typeface="Menlo"/>
-                <a:ea typeface="Menlo"/>
-                <a:cs typeface="Menlo"/>
-                <a:sym typeface="Menlo"/>
+              <a:defRPr b="0" sz="1100">
+                <a:solidFill>
+                  <a:srgbClr val="5C2699"/>
+                </a:solidFill>
+                <a:latin typeface="Arial"/>
+                <a:ea typeface="Arial"/>
+                <a:cs typeface="Arial"/>
+                <a:sym typeface="Arial"/>
               </a:defRPr>
             </a:pPr>
             <a:r>
@@ -35986,11 +35941,6 @@
               <a:t>: </a:t>
             </a:r>
             <a:r>
-              <a:rPr>
-                <a:solidFill>
-                  <a:srgbClr val="5C2699"/>
-                </a:solidFill>
-              </a:rPr>
               <a:t>Double</a:t>
             </a:r>
             <a:r>
@@ -36031,9 +35981,9 @@
             </a:r>
           </a:p>
           <a:p>
-            <a:pPr marL="457200" indent="-317500" defTabSz="457200">
+            <a:pPr marL="527755" indent="-388055" defTabSz="457200">
               <a:lnSpc>
-                <a:spcPts val="2300"/>
+                <a:spcPts val="1700"/>
               </a:lnSpc>
               <a:spcBef>
                 <a:spcPts val="0"/>
@@ -36044,14 +35994,14 @@
               <a:buSzPct val="100000"/>
               <a:buFont typeface="Menlo"/>
               <a:buChar char="•"/>
-              <a:defRPr b="0" sz="900">
-                <a:solidFill>
-                  <a:srgbClr val="333333"/>
-                </a:solidFill>
-                <a:latin typeface="Menlo"/>
-                <a:ea typeface="Menlo"/>
-                <a:cs typeface="Menlo"/>
-                <a:sym typeface="Menlo"/>
+              <a:defRPr b="0" sz="1100">
+                <a:solidFill>
+                  <a:srgbClr val="5C2699"/>
+                </a:solidFill>
+                <a:latin typeface="Arial"/>
+                <a:ea typeface="Arial"/>
+                <a:cs typeface="Arial"/>
+                <a:sym typeface="Arial"/>
               </a:defRPr>
             </a:pPr>
             <a:r>
@@ -36080,11 +36030,6 @@
               <a:t>: </a:t>
             </a:r>
             <a:r>
-              <a:rPr>
-                <a:solidFill>
-                  <a:srgbClr val="5C2699"/>
-                </a:solidFill>
-              </a:rPr>
               <a:t>Double</a:t>
             </a:r>
             <a:r>
@@ -36125,9 +36070,9 @@
             </a:r>
           </a:p>
           <a:p>
-            <a:pPr marL="457200" indent="-317500" defTabSz="457200">
+            <a:pPr marL="527755" indent="-388055" defTabSz="457200">
               <a:lnSpc>
-                <a:spcPts val="2300"/>
+                <a:spcPts val="1700"/>
               </a:lnSpc>
               <a:spcBef>
                 <a:spcPts val="0"/>
@@ -36138,14 +36083,14 @@
               <a:buSzPct val="100000"/>
               <a:buFont typeface="Menlo"/>
               <a:buChar char="•"/>
-              <a:defRPr b="0" sz="900">
-                <a:solidFill>
-                  <a:srgbClr val="333333"/>
-                </a:solidFill>
-                <a:latin typeface="Menlo"/>
-                <a:ea typeface="Menlo"/>
-                <a:cs typeface="Menlo"/>
-                <a:sym typeface="Menlo"/>
+              <a:defRPr b="0" sz="1100">
+                <a:solidFill>
+                  <a:srgbClr val="5C2699"/>
+                </a:solidFill>
+                <a:latin typeface="Arial"/>
+                <a:ea typeface="Arial"/>
+                <a:cs typeface="Arial"/>
+                <a:sym typeface="Arial"/>
               </a:defRPr>
             </a:pPr>
             <a:r>
@@ -36153,9 +36098,9 @@
             </a:r>
           </a:p>
           <a:p>
-            <a:pPr marL="457200" indent="-317500" defTabSz="457200">
+            <a:pPr marL="527755" indent="-388055" defTabSz="457200">
               <a:lnSpc>
-                <a:spcPts val="2300"/>
+                <a:spcPts val="1700"/>
               </a:lnSpc>
               <a:spcBef>
                 <a:spcPts val="0"/>
@@ -36166,14 +36111,14 @@
               <a:buSzPct val="100000"/>
               <a:buFont typeface="Menlo"/>
               <a:buChar char="•"/>
-              <a:defRPr b="0" sz="900">
-                <a:solidFill>
-                  <a:srgbClr val="3F6E74"/>
-                </a:solidFill>
-                <a:latin typeface="Menlo"/>
-                <a:ea typeface="Menlo"/>
-                <a:cs typeface="Menlo"/>
-                <a:sym typeface="Menlo"/>
+              <a:defRPr b="0" sz="1100">
+                <a:solidFill>
+                  <a:srgbClr val="5C2699"/>
+                </a:solidFill>
+                <a:latin typeface="Arial"/>
+                <a:ea typeface="Arial"/>
+                <a:cs typeface="Arial"/>
+                <a:sym typeface="Arial"/>
               </a:defRPr>
             </a:pPr>
             <a:r>
@@ -36229,9 +36174,9 @@
             </a:endParaRPr>
           </a:p>
           <a:p>
-            <a:pPr marL="457200" indent="-317500" defTabSz="457200">
+            <a:pPr marL="527755" indent="-388055" defTabSz="457200">
               <a:lnSpc>
-                <a:spcPts val="2300"/>
+                <a:spcPts val="1700"/>
               </a:lnSpc>
               <a:spcBef>
                 <a:spcPts val="0"/>
@@ -36242,14 +36187,14 @@
               <a:buSzPct val="100000"/>
               <a:buFont typeface="Menlo"/>
               <a:buChar char="•"/>
-              <a:defRPr b="0" sz="900">
-                <a:solidFill>
-                  <a:srgbClr val="C41A16"/>
-                </a:solidFill>
-                <a:latin typeface="Menlo"/>
-                <a:ea typeface="Menlo"/>
-                <a:cs typeface="Menlo"/>
-                <a:sym typeface="Menlo"/>
+              <a:defRPr b="0" sz="1100">
+                <a:solidFill>
+                  <a:srgbClr val="5C2699"/>
+                </a:solidFill>
+                <a:latin typeface="Arial"/>
+                <a:ea typeface="Arial"/>
+                <a:cs typeface="Arial"/>
+                <a:sym typeface="Arial"/>
               </a:defRPr>
             </a:pPr>
             <a:r>
@@ -36313,9 +36258,9 @@
             </a:endParaRPr>
           </a:p>
           <a:p>
-            <a:pPr marL="457200" indent="-317500" defTabSz="457200">
+            <a:pPr marL="527755" indent="-388055" defTabSz="457200">
               <a:lnSpc>
-                <a:spcPts val="2300"/>
+                <a:spcPts val="1700"/>
               </a:lnSpc>
               <a:spcBef>
                 <a:spcPts val="0"/>
@@ -36326,14 +36271,14 @@
               <a:buSzPct val="100000"/>
               <a:buFont typeface="Menlo"/>
               <a:buChar char="•"/>
-              <a:defRPr b="0" sz="900">
-                <a:solidFill>
-                  <a:srgbClr val="007400"/>
-                </a:solidFill>
-                <a:latin typeface="Menlo"/>
-                <a:ea typeface="Menlo"/>
-                <a:cs typeface="Menlo"/>
-                <a:sym typeface="Menlo"/>
+              <a:defRPr b="0" sz="1100">
+                <a:solidFill>
+                  <a:srgbClr val="5C2699"/>
+                </a:solidFill>
+                <a:latin typeface="Arial"/>
+                <a:ea typeface="Arial"/>
+                <a:cs typeface="Arial"/>
+                <a:sym typeface="Arial"/>
               </a:defRPr>
             </a:pPr>
             <a:r>
@@ -36346,9 +36291,9 @@
             </a:endParaRPr>
           </a:p>
           <a:p>
-            <a:pPr marL="457200" indent="-317500" defTabSz="457200">
+            <a:pPr marL="527755" indent="-388055" defTabSz="457200">
               <a:lnSpc>
-                <a:spcPts val="2300"/>
+                <a:spcPts val="1700"/>
               </a:lnSpc>
               <a:spcBef>
                 <a:spcPts val="0"/>
@@ -36359,14 +36304,14 @@
               <a:buSzPct val="100000"/>
               <a:buFont typeface="Menlo"/>
               <a:buChar char="•"/>
-              <a:defRPr b="0" sz="900">
-                <a:solidFill>
-                  <a:srgbClr val="3F6E74"/>
-                </a:solidFill>
-                <a:latin typeface="Menlo"/>
-                <a:ea typeface="Menlo"/>
-                <a:cs typeface="Menlo"/>
-                <a:sym typeface="Menlo"/>
+              <a:defRPr b="0" sz="1100">
+                <a:solidFill>
+                  <a:srgbClr val="5C2699"/>
+                </a:solidFill>
+                <a:latin typeface="Arial"/>
+                <a:ea typeface="Arial"/>
+                <a:cs typeface="Arial"/>
+                <a:sym typeface="Arial"/>
               </a:defRPr>
             </a:pPr>
             <a:r>
@@ -36422,9 +36367,9 @@
             </a:endParaRPr>
           </a:p>
           <a:p>
-            <a:pPr marL="457200" indent="-317500" defTabSz="457200">
+            <a:pPr marL="527755" indent="-388055" defTabSz="457200">
               <a:lnSpc>
-                <a:spcPts val="2300"/>
+                <a:spcPts val="1700"/>
               </a:lnSpc>
               <a:spcBef>
                 <a:spcPts val="0"/>
@@ -36435,14 +36380,14 @@
               <a:buSzPct val="100000"/>
               <a:buFont typeface="Menlo"/>
               <a:buChar char="•"/>
-              <a:defRPr b="0" sz="900">
-                <a:solidFill>
-                  <a:srgbClr val="C41A16"/>
-                </a:solidFill>
-                <a:latin typeface="Menlo"/>
-                <a:ea typeface="Menlo"/>
-                <a:cs typeface="Menlo"/>
-                <a:sym typeface="Menlo"/>
+              <a:defRPr b="0" sz="1100">
+                <a:solidFill>
+                  <a:srgbClr val="5C2699"/>
+                </a:solidFill>
+                <a:latin typeface="Arial"/>
+                <a:ea typeface="Arial"/>
+                <a:cs typeface="Arial"/>
+                <a:sym typeface="Arial"/>
               </a:defRPr>
             </a:pPr>
             <a:r>
@@ -36506,9 +36451,9 @@
             </a:endParaRPr>
           </a:p>
           <a:p>
-            <a:pPr marL="457200" indent="-317500" defTabSz="457200">
+            <a:pPr marL="527755" indent="-388055" defTabSz="457200">
               <a:lnSpc>
-                <a:spcPts val="2300"/>
+                <a:spcPts val="1700"/>
               </a:lnSpc>
               <a:spcBef>
                 <a:spcPts val="0"/>
@@ -36519,14 +36464,14 @@
               <a:buSzPct val="100000"/>
               <a:buFont typeface="Menlo"/>
               <a:buChar char="•"/>
-              <a:defRPr b="0" sz="900">
-                <a:solidFill>
-                  <a:srgbClr val="007400"/>
-                </a:solidFill>
-                <a:latin typeface="Menlo"/>
-                <a:ea typeface="Menlo"/>
-                <a:cs typeface="Menlo"/>
-                <a:sym typeface="Menlo"/>
+              <a:defRPr b="0" sz="1100">
+                <a:solidFill>
+                  <a:srgbClr val="5C2699"/>
+                </a:solidFill>
+                <a:latin typeface="Arial"/>
+                <a:ea typeface="Arial"/>
+                <a:cs typeface="Arial"/>
+                <a:sym typeface="Arial"/>
               </a:defRPr>
             </a:pPr>
             <a:r>
@@ -36548,8 +36493,8 @@
         </p:nvSpPr>
         <p:spPr>
           <a:xfrm>
-            <a:off x="762931" y="3660144"/>
-            <a:ext cx="3864432" cy="548641"/>
+            <a:off x="4559438" y="1163227"/>
+            <a:ext cx="3596088" cy="725565"/>
           </a:xfrm>
           <a:prstGeom prst="rect">
             <a:avLst/>
@@ -36569,9 +36514,9 @@
           </a:bodyPr>
           <a:lstStyle/>
           <a:p>
-            <a:pPr marL="457200" indent="-317500" defTabSz="457200">
+            <a:pPr marL="527755" indent="-388055" defTabSz="457200">
               <a:lnSpc>
-                <a:spcPts val="2300"/>
+                <a:spcPts val="1700"/>
               </a:lnSpc>
               <a:spcBef>
                 <a:spcPts val="0"/>
@@ -36582,14 +36527,14 @@
               <a:buSzPct val="100000"/>
               <a:buFont typeface="Menlo"/>
               <a:buChar char="•"/>
-              <a:defRPr b="0" sz="900">
-                <a:solidFill>
-                  <a:srgbClr val="3F6E74"/>
-                </a:solidFill>
-                <a:latin typeface="Menlo"/>
-                <a:ea typeface="Menlo"/>
-                <a:cs typeface="Menlo"/>
-                <a:sym typeface="Menlo"/>
+              <a:defRPr b="0" sz="1100">
+                <a:solidFill>
+                  <a:srgbClr val="5C2699"/>
+                </a:solidFill>
+                <a:latin typeface="Arial"/>
+                <a:ea typeface="Arial"/>
+                <a:cs typeface="Arial"/>
+                <a:sym typeface="Arial"/>
               </a:defRPr>
             </a:pPr>
             <a:r>
@@ -36672,9 +36617,9 @@
             </a:endParaRPr>
           </a:p>
           <a:p>
-            <a:pPr marL="457200" indent="-317500" defTabSz="457200">
+            <a:pPr marL="527755" indent="-388055" defTabSz="457200">
               <a:lnSpc>
-                <a:spcPts val="2300"/>
+                <a:spcPts val="1700"/>
               </a:lnSpc>
               <a:spcBef>
                 <a:spcPts val="0"/>
@@ -36685,14 +36630,14 @@
               <a:buSzPct val="100000"/>
               <a:buFont typeface="Menlo"/>
               <a:buChar char="•"/>
-              <a:defRPr b="0" sz="900">
-                <a:solidFill>
-                  <a:srgbClr val="C41A16"/>
-                </a:solidFill>
-                <a:latin typeface="Menlo"/>
-                <a:ea typeface="Menlo"/>
-                <a:cs typeface="Menlo"/>
-                <a:sym typeface="Menlo"/>
+              <a:defRPr b="0" sz="1100">
+                <a:solidFill>
+                  <a:srgbClr val="5C2699"/>
+                </a:solidFill>
+                <a:latin typeface="Arial"/>
+                <a:ea typeface="Arial"/>
+                <a:cs typeface="Arial"/>
+                <a:sym typeface="Arial"/>
               </a:defRPr>
             </a:pPr>
             <a:r>
@@ -36756,9 +36701,9 @@
             </a:endParaRPr>
           </a:p>
           <a:p>
-            <a:pPr marL="457200" indent="-317500" defTabSz="457200">
+            <a:pPr marL="527755" indent="-388055" defTabSz="457200">
               <a:lnSpc>
-                <a:spcPts val="2300"/>
+                <a:spcPts val="1700"/>
               </a:lnSpc>
               <a:spcBef>
                 <a:spcPts val="0"/>
@@ -36769,14 +36714,14 @@
               <a:buSzPct val="100000"/>
               <a:buFont typeface="Menlo"/>
               <a:buChar char="•"/>
-              <a:defRPr b="0" sz="900">
-                <a:solidFill>
-                  <a:srgbClr val="007400"/>
-                </a:solidFill>
-                <a:latin typeface="Menlo"/>
-                <a:ea typeface="Menlo"/>
-                <a:cs typeface="Menlo"/>
-                <a:sym typeface="Menlo"/>
+              <a:defRPr b="0" sz="1100">
+                <a:solidFill>
+                  <a:srgbClr val="5C2699"/>
+                </a:solidFill>
+                <a:latin typeface="Arial"/>
+                <a:ea typeface="Arial"/>
+                <a:cs typeface="Arial"/>
+                <a:sym typeface="Arial"/>
               </a:defRPr>
             </a:pPr>
             <a:r>
@@ -36929,7 +36874,7 @@
         <p:spPr>
           <a:xfrm>
             <a:off x="767192" y="1124739"/>
-            <a:ext cx="2901031" cy="1869441"/>
+            <a:ext cx="2550043" cy="2452765"/>
           </a:xfrm>
           <a:prstGeom prst="rect">
             <a:avLst/>
@@ -36949,9 +36894,9 @@
           </a:bodyPr>
           <a:lstStyle/>
           <a:p>
-            <a:pPr marL="457200" indent="-317500" defTabSz="457200">
+            <a:pPr marL="527755" indent="-388055" defTabSz="457200">
               <a:lnSpc>
-                <a:spcPts val="2300"/>
+                <a:spcPts val="1700"/>
               </a:lnSpc>
               <a:spcBef>
                 <a:spcPts val="0"/>
@@ -36962,14 +36907,14 @@
               <a:buSzPct val="100000"/>
               <a:buFont typeface="Menlo"/>
               <a:buChar char="•"/>
-              <a:defRPr b="0" sz="900">
-                <a:solidFill>
-                  <a:srgbClr val="AA0D91"/>
-                </a:solidFill>
-                <a:latin typeface="Menlo"/>
-                <a:ea typeface="Menlo"/>
-                <a:cs typeface="Menlo"/>
-                <a:sym typeface="Menlo"/>
+              <a:defRPr b="0" sz="1100">
+                <a:solidFill>
+                  <a:srgbClr val="5C2699"/>
+                </a:solidFill>
+                <a:latin typeface="Arial"/>
+                <a:ea typeface="Arial"/>
+                <a:cs typeface="Arial"/>
+                <a:sym typeface="Arial"/>
               </a:defRPr>
             </a:pPr>
             <a:r>
@@ -37006,9 +36951,9 @@
             </a:endParaRPr>
           </a:p>
           <a:p>
-            <a:pPr marL="457200" indent="-317500" defTabSz="457200">
+            <a:pPr marL="527755" indent="-388055" defTabSz="457200">
               <a:lnSpc>
-                <a:spcPts val="2300"/>
+                <a:spcPts val="1700"/>
               </a:lnSpc>
               <a:spcBef>
                 <a:spcPts val="0"/>
@@ -37019,14 +36964,14 @@
               <a:buSzPct val="100000"/>
               <a:buFont typeface="Menlo"/>
               <a:buChar char="•"/>
-              <a:defRPr b="0" sz="900">
-                <a:solidFill>
-                  <a:srgbClr val="333333"/>
-                </a:solidFill>
-                <a:latin typeface="Menlo"/>
-                <a:ea typeface="Menlo"/>
-                <a:cs typeface="Menlo"/>
-                <a:sym typeface="Menlo"/>
+              <a:defRPr b="0" sz="1100">
+                <a:solidFill>
+                  <a:srgbClr val="5C2699"/>
+                </a:solidFill>
+                <a:latin typeface="Arial"/>
+                <a:ea typeface="Arial"/>
+                <a:cs typeface="Arial"/>
+                <a:sym typeface="Arial"/>
               </a:defRPr>
             </a:pPr>
             <a:r>
@@ -37086,9 +37031,9 @@
             </a:r>
           </a:p>
           <a:p>
-            <a:pPr marL="457200" indent="-317500" defTabSz="457200">
+            <a:pPr marL="527755" indent="-388055" defTabSz="457200">
               <a:lnSpc>
-                <a:spcPts val="2300"/>
+                <a:spcPts val="1700"/>
               </a:lnSpc>
               <a:spcBef>
                 <a:spcPts val="0"/>
@@ -37099,14 +37044,14 @@
               <a:buSzPct val="100000"/>
               <a:buFont typeface="Menlo"/>
               <a:buChar char="•"/>
-              <a:defRPr b="0" sz="900">
-                <a:solidFill>
-                  <a:srgbClr val="333333"/>
-                </a:solidFill>
-                <a:latin typeface="Menlo"/>
-                <a:ea typeface="Menlo"/>
-                <a:cs typeface="Menlo"/>
-                <a:sym typeface="Menlo"/>
+              <a:defRPr b="0" sz="1100">
+                <a:solidFill>
+                  <a:srgbClr val="5C2699"/>
+                </a:solidFill>
+                <a:latin typeface="Arial"/>
+                <a:ea typeface="Arial"/>
+                <a:cs typeface="Arial"/>
+                <a:sym typeface="Arial"/>
               </a:defRPr>
             </a:pPr>
             <a:r>
@@ -37114,9 +37059,9 @@
             </a:r>
           </a:p>
           <a:p>
-            <a:pPr marL="457200" indent="-317500" defTabSz="457200">
+            <a:pPr marL="527755" indent="-388055" defTabSz="457200">
               <a:lnSpc>
-                <a:spcPts val="2300"/>
+                <a:spcPts val="1700"/>
               </a:lnSpc>
               <a:spcBef>
                 <a:spcPts val="0"/>
@@ -37127,14 +37072,14 @@
               <a:buSzPct val="100000"/>
               <a:buFont typeface="Menlo"/>
               <a:buChar char="•"/>
-              <a:defRPr b="0" sz="900">
-                <a:solidFill>
-                  <a:srgbClr val="AA0D91"/>
-                </a:solidFill>
-                <a:latin typeface="Menlo"/>
-                <a:ea typeface="Menlo"/>
-                <a:cs typeface="Menlo"/>
-                <a:sym typeface="Menlo"/>
+              <a:defRPr b="0" sz="1100">
+                <a:solidFill>
+                  <a:srgbClr val="5C2699"/>
+                </a:solidFill>
+                <a:latin typeface="Arial"/>
+                <a:ea typeface="Arial"/>
+                <a:cs typeface="Arial"/>
+                <a:sym typeface="Arial"/>
               </a:defRPr>
             </a:pPr>
             <a:r>
@@ -37171,9 +37116,9 @@
             </a:endParaRPr>
           </a:p>
           <a:p>
-            <a:pPr marL="457200" indent="-317500" defTabSz="457200">
+            <a:pPr marL="527755" indent="-388055" defTabSz="457200">
               <a:lnSpc>
-                <a:spcPts val="2300"/>
+                <a:spcPts val="1700"/>
               </a:lnSpc>
               <a:spcBef>
                 <a:spcPts val="0"/>
@@ -37184,14 +37129,14 @@
               <a:buSzPct val="100000"/>
               <a:buFont typeface="Menlo"/>
               <a:buChar char="•"/>
-              <a:defRPr b="0" sz="900">
-                <a:solidFill>
-                  <a:srgbClr val="333333"/>
-                </a:solidFill>
-                <a:latin typeface="Menlo"/>
-                <a:ea typeface="Menlo"/>
-                <a:cs typeface="Menlo"/>
-                <a:sym typeface="Menlo"/>
+              <a:defRPr b="0" sz="1100">
+                <a:solidFill>
+                  <a:srgbClr val="5C2699"/>
+                </a:solidFill>
+                <a:latin typeface="Arial"/>
+                <a:ea typeface="Arial"/>
+                <a:cs typeface="Arial"/>
+                <a:sym typeface="Arial"/>
               </a:defRPr>
             </a:pPr>
             <a:r>
@@ -37251,9 +37196,9 @@
             </a:r>
           </a:p>
           <a:p>
-            <a:pPr marL="457200" indent="-317500" defTabSz="457200">
+            <a:pPr marL="527755" indent="-388055" defTabSz="457200">
               <a:lnSpc>
-                <a:spcPts val="2300"/>
+                <a:spcPts val="1700"/>
               </a:lnSpc>
               <a:spcBef>
                 <a:spcPts val="0"/>
@@ -37264,14 +37209,14 @@
               <a:buSzPct val="100000"/>
               <a:buFont typeface="Menlo"/>
               <a:buChar char="•"/>
-              <a:defRPr b="0" sz="900">
-                <a:solidFill>
-                  <a:srgbClr val="333333"/>
-                </a:solidFill>
-                <a:latin typeface="Menlo"/>
-                <a:ea typeface="Menlo"/>
-                <a:cs typeface="Menlo"/>
-                <a:sym typeface="Menlo"/>
+              <a:defRPr b="0" sz="1100">
+                <a:solidFill>
+                  <a:srgbClr val="5C2699"/>
+                </a:solidFill>
+                <a:latin typeface="Arial"/>
+                <a:ea typeface="Arial"/>
+                <a:cs typeface="Arial"/>
+                <a:sym typeface="Arial"/>
               </a:defRPr>
             </a:pPr>
             <a:r>
@@ -37279,9 +37224,9 @@
             </a:r>
           </a:p>
           <a:p>
-            <a:pPr marL="457200" indent="-317500" defTabSz="457200">
+            <a:pPr marL="527755" indent="-388055" defTabSz="457200">
               <a:lnSpc>
-                <a:spcPts val="2300"/>
+                <a:spcPts val="1700"/>
               </a:lnSpc>
               <a:spcBef>
                 <a:spcPts val="0"/>
@@ -37292,14 +37237,14 @@
               <a:buSzPct val="100000"/>
               <a:buFont typeface="Menlo"/>
               <a:buChar char="•"/>
-              <a:defRPr b="0" sz="900">
-                <a:solidFill>
-                  <a:srgbClr val="AA0D91"/>
-                </a:solidFill>
-                <a:latin typeface="Menlo"/>
-                <a:ea typeface="Menlo"/>
-                <a:cs typeface="Menlo"/>
-                <a:sym typeface="Menlo"/>
+              <a:defRPr b="0" sz="1100">
+                <a:solidFill>
+                  <a:srgbClr val="5C2699"/>
+                </a:solidFill>
+                <a:latin typeface="Arial"/>
+                <a:ea typeface="Arial"/>
+                <a:cs typeface="Arial"/>
+                <a:sym typeface="Arial"/>
               </a:defRPr>
             </a:pPr>
             <a:r>
@@ -37336,9 +37281,9 @@
             </a:endParaRPr>
           </a:p>
           <a:p>
-            <a:pPr marL="457200" indent="-317500" defTabSz="457200">
+            <a:pPr marL="527755" indent="-388055" defTabSz="457200">
               <a:lnSpc>
-                <a:spcPts val="2300"/>
+                <a:spcPts val="1700"/>
               </a:lnSpc>
               <a:spcBef>
                 <a:spcPts val="0"/>
@@ -37349,14 +37294,14 @@
               <a:buSzPct val="100000"/>
               <a:buFont typeface="Menlo"/>
               <a:buChar char="•"/>
-              <a:defRPr b="0" sz="900">
-                <a:solidFill>
-                  <a:srgbClr val="333333"/>
-                </a:solidFill>
-                <a:latin typeface="Menlo"/>
-                <a:ea typeface="Menlo"/>
-                <a:cs typeface="Menlo"/>
-                <a:sym typeface="Menlo"/>
+              <a:defRPr b="0" sz="1100">
+                <a:solidFill>
+                  <a:srgbClr val="5C2699"/>
+                </a:solidFill>
+                <a:latin typeface="Arial"/>
+                <a:ea typeface="Arial"/>
+                <a:cs typeface="Arial"/>
+                <a:sym typeface="Arial"/>
               </a:defRPr>
             </a:pPr>
             <a:r>
@@ -37397,9 +37342,9 @@
             </a:r>
           </a:p>
           <a:p>
-            <a:pPr marL="457200" indent="-317500" defTabSz="457200">
+            <a:pPr marL="527755" indent="-388055" defTabSz="457200">
               <a:lnSpc>
-                <a:spcPts val="2300"/>
+                <a:spcPts val="1700"/>
               </a:lnSpc>
               <a:spcBef>
                 <a:spcPts val="0"/>
@@ -37410,14 +37355,14 @@
               <a:buSzPct val="100000"/>
               <a:buFont typeface="Menlo"/>
               <a:buChar char="•"/>
-              <a:defRPr b="0" sz="900">
-                <a:solidFill>
-                  <a:srgbClr val="333333"/>
-                </a:solidFill>
-                <a:latin typeface="Menlo"/>
-                <a:ea typeface="Menlo"/>
-                <a:cs typeface="Menlo"/>
-                <a:sym typeface="Menlo"/>
+              <a:defRPr b="0" sz="1100">
+                <a:solidFill>
+                  <a:srgbClr val="5C2699"/>
+                </a:solidFill>
+                <a:latin typeface="Arial"/>
+                <a:ea typeface="Arial"/>
+                <a:cs typeface="Arial"/>
+                <a:sym typeface="Arial"/>
               </a:defRPr>
             </a:pPr>
             <a:r>
@@ -37458,9 +37403,9 @@
             </a:r>
           </a:p>
           <a:p>
-            <a:pPr marL="457200" indent="-317500" defTabSz="457200">
+            <a:pPr marL="527755" indent="-388055" defTabSz="457200">
               <a:lnSpc>
-                <a:spcPts val="2300"/>
+                <a:spcPts val="1700"/>
               </a:lnSpc>
               <a:spcBef>
                 <a:spcPts val="0"/>
@@ -37471,14 +37416,14 @@
               <a:buSzPct val="100000"/>
               <a:buFont typeface="Menlo"/>
               <a:buChar char="•"/>
-              <a:defRPr b="0" sz="900">
-                <a:solidFill>
-                  <a:srgbClr val="333333"/>
-                </a:solidFill>
-                <a:latin typeface="Menlo"/>
-                <a:ea typeface="Menlo"/>
-                <a:cs typeface="Menlo"/>
-                <a:sym typeface="Menlo"/>
+              <a:defRPr b="0" sz="1100">
+                <a:solidFill>
+                  <a:srgbClr val="5C2699"/>
+                </a:solidFill>
+                <a:latin typeface="Arial"/>
+                <a:ea typeface="Arial"/>
+                <a:cs typeface="Arial"/>
+                <a:sym typeface="Arial"/>
               </a:defRPr>
             </a:pPr>
             <a:r>
@@ -37495,8 +37440,8 @@
         </p:nvSpPr>
         <p:spPr>
           <a:xfrm>
-            <a:off x="750148" y="3381387"/>
-            <a:ext cx="4483762" cy="713741"/>
+            <a:off x="4482741" y="1178475"/>
+            <a:ext cx="4059662" cy="941465"/>
           </a:xfrm>
           <a:prstGeom prst="rect">
             <a:avLst/>
@@ -37516,9 +37461,9 @@
           </a:bodyPr>
           <a:lstStyle/>
           <a:p>
-            <a:pPr marL="457200" indent="-317500" defTabSz="457200">
+            <a:pPr marL="527755" indent="-388055" defTabSz="457200">
               <a:lnSpc>
-                <a:spcPts val="2300"/>
+                <a:spcPts val="1700"/>
               </a:lnSpc>
               <a:spcBef>
                 <a:spcPts val="0"/>
@@ -37529,14 +37474,14 @@
               <a:buSzPct val="100000"/>
               <a:buFont typeface="Menlo"/>
               <a:buChar char="•"/>
-              <a:defRPr b="0" sz="900">
-                <a:solidFill>
-                  <a:srgbClr val="3F6E74"/>
-                </a:solidFill>
-                <a:latin typeface="Menlo"/>
-                <a:ea typeface="Menlo"/>
-                <a:cs typeface="Menlo"/>
-                <a:sym typeface="Menlo"/>
+              <a:defRPr b="0" sz="1100">
+                <a:solidFill>
+                  <a:srgbClr val="5C2699"/>
+                </a:solidFill>
+                <a:latin typeface="Arial"/>
+                <a:ea typeface="Arial"/>
+                <a:cs typeface="Arial"/>
+                <a:sym typeface="Arial"/>
               </a:defRPr>
             </a:pPr>
             <a:r>
@@ -37584,9 +37529,9 @@
             </a:endParaRPr>
           </a:p>
           <a:p>
-            <a:pPr marL="457200" indent="-317500" defTabSz="457200">
+            <a:pPr marL="527755" indent="-388055" defTabSz="457200">
               <a:lnSpc>
-                <a:spcPts val="2300"/>
+                <a:spcPts val="1700"/>
               </a:lnSpc>
               <a:spcBef>
                 <a:spcPts val="0"/>
@@ -37597,14 +37542,14 @@
               <a:buSzPct val="100000"/>
               <a:buFont typeface="Menlo"/>
               <a:buChar char="•"/>
-              <a:defRPr b="0" sz="900">
-                <a:solidFill>
-                  <a:srgbClr val="3F6E74"/>
-                </a:solidFill>
-                <a:latin typeface="Menlo"/>
-                <a:ea typeface="Menlo"/>
-                <a:cs typeface="Menlo"/>
-                <a:sym typeface="Menlo"/>
+              <a:defRPr b="0" sz="1100">
+                <a:solidFill>
+                  <a:srgbClr val="5C2699"/>
+                </a:solidFill>
+                <a:latin typeface="Arial"/>
+                <a:ea typeface="Arial"/>
+                <a:cs typeface="Arial"/>
+                <a:sym typeface="Arial"/>
               </a:defRPr>
             </a:pPr>
             <a:r>
@@ -37728,9 +37673,9 @@
             </a:endParaRPr>
           </a:p>
           <a:p>
-            <a:pPr marL="457200" indent="-317500" defTabSz="457200">
+            <a:pPr marL="527755" indent="-388055" defTabSz="457200">
               <a:lnSpc>
-                <a:spcPts val="2300"/>
+                <a:spcPts val="1700"/>
               </a:lnSpc>
               <a:spcBef>
                 <a:spcPts val="0"/>
@@ -37741,14 +37686,14 @@
               <a:buSzPct val="100000"/>
               <a:buFont typeface="Menlo"/>
               <a:buChar char="•"/>
-              <a:defRPr b="0" sz="900">
-                <a:solidFill>
-                  <a:srgbClr val="333333"/>
-                </a:solidFill>
-                <a:latin typeface="Menlo"/>
-                <a:ea typeface="Menlo"/>
-                <a:cs typeface="Menlo"/>
-                <a:sym typeface="Menlo"/>
+              <a:defRPr b="0" sz="1100">
+                <a:solidFill>
+                  <a:srgbClr val="5C2699"/>
+                </a:solidFill>
+                <a:latin typeface="Arial"/>
+                <a:ea typeface="Arial"/>
+                <a:cs typeface="Arial"/>
+                <a:sym typeface="Arial"/>
               </a:defRPr>
             </a:pPr>
             <a:r>
@@ -37967,7 +37912,7 @@
         <p:spPr>
           <a:xfrm>
             <a:off x="767192" y="1124739"/>
-            <a:ext cx="7947420" cy="2209801"/>
+            <a:ext cx="5846440" cy="2611002"/>
           </a:xfrm>
           <a:prstGeom prst="rect">
             <a:avLst/>
@@ -37987,9 +37932,9 @@
           </a:bodyPr>
           <a:lstStyle/>
           <a:p>
-            <a:pPr marL="457200" indent="-317500" defTabSz="457200">
+            <a:pPr marL="502557" indent="-362857" defTabSz="457200">
               <a:lnSpc>
-                <a:spcPts val="3900"/>
+                <a:spcPts val="2500"/>
               </a:lnSpc>
               <a:spcBef>
                 <a:spcPts val="0"/>
@@ -38000,14 +37945,14 @@
               <a:buSzPct val="100000"/>
               <a:buFont typeface="Menlo"/>
               <a:buChar char="•"/>
-              <a:defRPr b="0">
-                <a:solidFill>
-                  <a:srgbClr val="AA0D91"/>
-                </a:solidFill>
-                <a:latin typeface="Menlo"/>
-                <a:ea typeface="Menlo"/>
-                <a:cs typeface="Menlo"/>
-                <a:sym typeface="Menlo"/>
+              <a:defRPr b="0" sz="1600">
+                <a:solidFill>
+                  <a:srgbClr val="5C2699"/>
+                </a:solidFill>
+                <a:latin typeface="Arial"/>
+                <a:ea typeface="Arial"/>
+                <a:cs typeface="Arial"/>
+                <a:sym typeface="Arial"/>
               </a:defRPr>
             </a:pPr>
             <a:r>
@@ -38022,11 +37967,6 @@
               <a:t> </a:t>
             </a:r>
             <a:r>
-              <a:rPr>
-                <a:solidFill>
-                  <a:srgbClr val="5C2699"/>
-                </a:solidFill>
-              </a:rPr>
               <a:t>Rect</a:t>
             </a:r>
             <a:r>
@@ -38044,9 +37984,9 @@
             </a:endParaRPr>
           </a:p>
           <a:p>
-            <a:pPr marL="457200" indent="-317500" defTabSz="457200">
+            <a:pPr marL="502557" indent="-362857" defTabSz="457200">
               <a:lnSpc>
-                <a:spcPts val="3900"/>
+                <a:spcPts val="2500"/>
               </a:lnSpc>
               <a:spcBef>
                 <a:spcPts val="0"/>
@@ -38057,14 +37997,14 @@
               <a:buSzPct val="100000"/>
               <a:buFont typeface="Menlo"/>
               <a:buChar char="•"/>
-              <a:defRPr b="0">
-                <a:solidFill>
-                  <a:srgbClr val="333333"/>
-                </a:solidFill>
-                <a:latin typeface="Menlo"/>
-                <a:ea typeface="Menlo"/>
-                <a:cs typeface="Menlo"/>
-                <a:sym typeface="Menlo"/>
+              <a:defRPr b="0" sz="1600">
+                <a:solidFill>
+                  <a:srgbClr val="5C2699"/>
+                </a:solidFill>
+                <a:latin typeface="Arial"/>
+                <a:ea typeface="Arial"/>
+                <a:cs typeface="Arial"/>
+                <a:sym typeface="Arial"/>
               </a:defRPr>
             </a:pPr>
             <a:r>
@@ -38093,11 +38033,6 @@
               <a:t>: </a:t>
             </a:r>
             <a:r>
-              <a:rPr>
-                <a:solidFill>
-                  <a:srgbClr val="5C2699"/>
-                </a:solidFill>
-              </a:rPr>
               <a:t>Point</a:t>
             </a:r>
             <a:r>
@@ -38115,11 +38050,6 @@
               <a:t>: </a:t>
             </a:r>
             <a:r>
-              <a:rPr>
-                <a:solidFill>
-                  <a:srgbClr val="5C2699"/>
-                </a:solidFill>
-              </a:rPr>
               <a:t>Size</a:t>
             </a:r>
             <a:r>
@@ -38127,9 +38057,9 @@
             </a:r>
           </a:p>
           <a:p>
-            <a:pPr marL="457200" indent="-317500" defTabSz="457200">
+            <a:pPr marL="502557" indent="-362857" defTabSz="457200">
               <a:lnSpc>
-                <a:spcPts val="3900"/>
+                <a:spcPts val="2500"/>
               </a:lnSpc>
               <a:spcBef>
                 <a:spcPts val="0"/>
@@ -38140,14 +38070,14 @@
               <a:buSzPct val="100000"/>
               <a:buFont typeface="Menlo"/>
               <a:buChar char="•"/>
-              <a:defRPr b="0">
-                <a:solidFill>
-                  <a:srgbClr val="333333"/>
-                </a:solidFill>
-                <a:latin typeface="Menlo"/>
-                <a:ea typeface="Menlo"/>
-                <a:cs typeface="Menlo"/>
-                <a:sym typeface="Menlo"/>
+              <a:defRPr b="0" sz="1600">
+                <a:solidFill>
+                  <a:srgbClr val="5C2699"/>
+                </a:solidFill>
+                <a:latin typeface="Arial"/>
+                <a:ea typeface="Arial"/>
+                <a:cs typeface="Arial"/>
+                <a:sym typeface="Arial"/>
               </a:defRPr>
             </a:pPr>
             <a:r>
@@ -38232,9 +38162,9 @@
             </a:r>
           </a:p>
           <a:p>
-            <a:pPr marL="457200" indent="-317500" defTabSz="457200">
+            <a:pPr marL="502557" indent="-362857" defTabSz="457200">
               <a:lnSpc>
-                <a:spcPts val="3900"/>
+                <a:spcPts val="2500"/>
               </a:lnSpc>
               <a:spcBef>
                 <a:spcPts val="0"/>
@@ -38245,14 +38175,14 @@
               <a:buSzPct val="100000"/>
               <a:buFont typeface="Menlo"/>
               <a:buChar char="•"/>
-              <a:defRPr b="0">
-                <a:solidFill>
-                  <a:srgbClr val="333333"/>
-                </a:solidFill>
-                <a:latin typeface="Menlo"/>
-                <a:ea typeface="Menlo"/>
-                <a:cs typeface="Menlo"/>
-                <a:sym typeface="Menlo"/>
+              <a:defRPr b="0" sz="1600">
+                <a:solidFill>
+                  <a:srgbClr val="5C2699"/>
+                </a:solidFill>
+                <a:latin typeface="Arial"/>
+                <a:ea typeface="Arial"/>
+                <a:cs typeface="Arial"/>
+                <a:sym typeface="Arial"/>
               </a:defRPr>
             </a:pPr>
             <a:r>
@@ -38337,9 +38267,9 @@
             </a:r>
           </a:p>
           <a:p>
-            <a:pPr marL="457200" indent="-317500" defTabSz="457200">
+            <a:pPr marL="502557" indent="-362857" defTabSz="457200">
               <a:lnSpc>
-                <a:spcPts val="3900"/>
+                <a:spcPts val="2500"/>
               </a:lnSpc>
               <a:spcBef>
                 <a:spcPts val="0"/>
@@ -38350,14 +38280,14 @@
               <a:buSzPct val="100000"/>
               <a:buFont typeface="Menlo"/>
               <a:buChar char="•"/>
-              <a:defRPr b="0">
-                <a:solidFill>
-                  <a:srgbClr val="333333"/>
-                </a:solidFill>
-                <a:latin typeface="Menlo"/>
-                <a:ea typeface="Menlo"/>
-                <a:cs typeface="Menlo"/>
-                <a:sym typeface="Menlo"/>
+              <a:defRPr b="0" sz="1600">
+                <a:solidFill>
+                  <a:srgbClr val="5C2699"/>
+                </a:solidFill>
+                <a:latin typeface="Arial"/>
+                <a:ea typeface="Arial"/>
+                <a:cs typeface="Arial"/>
+                <a:sym typeface="Arial"/>
               </a:defRPr>
             </a:pPr>
             <a:r>
@@ -38475,9 +38405,9 @@
             </a:r>
           </a:p>
           <a:p>
-            <a:pPr marL="457200" indent="-317500" defTabSz="457200">
+            <a:pPr marL="502557" indent="-362857" defTabSz="457200">
               <a:lnSpc>
-                <a:spcPts val="3900"/>
+                <a:spcPts val="2500"/>
               </a:lnSpc>
               <a:spcBef>
                 <a:spcPts val="0"/>
@@ -38488,14 +38418,14 @@
               <a:buSzPct val="100000"/>
               <a:buFont typeface="Menlo"/>
               <a:buChar char="•"/>
-              <a:defRPr b="0">
-                <a:solidFill>
-                  <a:srgbClr val="333333"/>
-                </a:solidFill>
-                <a:latin typeface="Menlo"/>
-                <a:ea typeface="Menlo"/>
-                <a:cs typeface="Menlo"/>
-                <a:sym typeface="Menlo"/>
+              <a:defRPr b="0" sz="1600">
+                <a:solidFill>
+                  <a:srgbClr val="5C2699"/>
+                </a:solidFill>
+                <a:latin typeface="Arial"/>
+                <a:ea typeface="Arial"/>
+                <a:cs typeface="Arial"/>
+                <a:sym typeface="Arial"/>
               </a:defRPr>
             </a:pPr>
             <a:r>
@@ -38503,9 +38433,9 @@
             </a:r>
           </a:p>
           <a:p>
-            <a:pPr marL="457200" indent="-317500" defTabSz="457200">
+            <a:pPr marL="502557" indent="-362857" defTabSz="457200">
               <a:lnSpc>
-                <a:spcPts val="3900"/>
+                <a:spcPts val="2500"/>
               </a:lnSpc>
               <a:spcBef>
                 <a:spcPts val="0"/>
@@ -38516,14 +38446,14 @@
               <a:buSzPct val="100000"/>
               <a:buFont typeface="Menlo"/>
               <a:buChar char="•"/>
-              <a:defRPr b="0">
-                <a:solidFill>
-                  <a:srgbClr val="333333"/>
-                </a:solidFill>
-                <a:latin typeface="Menlo"/>
-                <a:ea typeface="Menlo"/>
-                <a:cs typeface="Menlo"/>
-                <a:sym typeface="Menlo"/>
+              <a:defRPr b="0" sz="1600">
+                <a:solidFill>
+                  <a:srgbClr val="5C2699"/>
+                </a:solidFill>
+                <a:latin typeface="Arial"/>
+                <a:ea typeface="Arial"/>
+                <a:cs typeface="Arial"/>
+                <a:sym typeface="Arial"/>
               </a:defRPr>
             </a:pPr>
             <a:r>
@@ -38541,7 +38471,7 @@
         <p:spPr>
           <a:xfrm>
             <a:off x="767192" y="3649826"/>
-            <a:ext cx="7305153" cy="863601"/>
+            <a:ext cx="5671121" cy="1023502"/>
           </a:xfrm>
           <a:prstGeom prst="rect">
             <a:avLst/>
@@ -38561,9 +38491,9 @@
           </a:bodyPr>
           <a:lstStyle/>
           <a:p>
-            <a:pPr marL="457200" indent="-317500" defTabSz="457200">
+            <a:pPr marL="502557" indent="-362857" defTabSz="457200">
               <a:lnSpc>
-                <a:spcPts val="3900"/>
+                <a:spcPts val="2500"/>
               </a:lnSpc>
               <a:spcBef>
                 <a:spcPts val="0"/>
@@ -38574,14 +38504,14 @@
               <a:buSzPct val="100000"/>
               <a:buFont typeface="Menlo"/>
               <a:buChar char="•"/>
-              <a:defRPr b="0">
-                <a:solidFill>
-                  <a:srgbClr val="3F6E74"/>
-                </a:solidFill>
-                <a:latin typeface="Menlo"/>
-                <a:ea typeface="Menlo"/>
-                <a:cs typeface="Menlo"/>
-                <a:sym typeface="Menlo"/>
+              <a:defRPr b="0" sz="1600">
+                <a:solidFill>
+                  <a:srgbClr val="5C2699"/>
+                </a:solidFill>
+                <a:latin typeface="Arial"/>
+                <a:ea typeface="Arial"/>
+                <a:cs typeface="Arial"/>
+                <a:sym typeface="Arial"/>
               </a:defRPr>
             </a:pPr>
             <a:r>
@@ -38705,9 +38635,9 @@
             </a:endParaRPr>
           </a:p>
           <a:p>
-            <a:pPr marL="457200" indent="-317500" defTabSz="457200">
+            <a:pPr marL="502557" indent="-362857" defTabSz="457200">
               <a:lnSpc>
-                <a:spcPts val="3900"/>
+                <a:spcPts val="2500"/>
               </a:lnSpc>
               <a:spcBef>
                 <a:spcPts val="0"/>
@@ -38718,14 +38648,14 @@
               <a:buSzPct val="100000"/>
               <a:buFont typeface="Menlo"/>
               <a:buChar char="•"/>
-              <a:defRPr b="0">
-                <a:solidFill>
-                  <a:srgbClr val="333333"/>
-                </a:solidFill>
-                <a:latin typeface="Menlo"/>
-                <a:ea typeface="Menlo"/>
-                <a:cs typeface="Menlo"/>
-                <a:sym typeface="Menlo"/>
+              <a:defRPr b="0" sz="1600">
+                <a:solidFill>
+                  <a:srgbClr val="5C2699"/>
+                </a:solidFill>
+                <a:latin typeface="Arial"/>
+                <a:ea typeface="Arial"/>
+                <a:cs typeface="Arial"/>
+                <a:sym typeface="Arial"/>
               </a:defRPr>
             </a:pPr>
             <a:r>
@@ -38799,9 +38729,9 @@
             </a:r>
           </a:p>
           <a:p>
-            <a:pPr marL="457200" indent="-317500" defTabSz="457200">
+            <a:pPr marL="502557" indent="-362857" defTabSz="457200">
               <a:lnSpc>
-                <a:spcPts val="3900"/>
+                <a:spcPts val="2500"/>
               </a:lnSpc>
               <a:spcBef>
                 <a:spcPts val="0"/>
@@ -38812,14 +38742,14 @@
               <a:buSzPct val="100000"/>
               <a:buFont typeface="Menlo"/>
               <a:buChar char="•"/>
-              <a:defRPr b="0">
-                <a:solidFill>
-                  <a:srgbClr val="007400"/>
-                </a:solidFill>
-                <a:latin typeface="Menlo"/>
-                <a:ea typeface="Menlo"/>
-                <a:cs typeface="Menlo"/>
-                <a:sym typeface="Menlo"/>
+              <a:defRPr b="0" sz="1600">
+                <a:solidFill>
+                  <a:srgbClr val="5C2699"/>
+                </a:solidFill>
+                <a:latin typeface="Arial"/>
+                <a:ea typeface="Arial"/>
+                <a:cs typeface="Arial"/>
+                <a:sym typeface="Arial"/>
               </a:defRPr>
             </a:pPr>
             <a:r>
@@ -38972,7 +38902,7 @@
         <p:spPr>
           <a:xfrm>
             <a:off x="767192" y="1124739"/>
-            <a:ext cx="3696219" cy="1475741"/>
+            <a:ext cx="3987464" cy="2611002"/>
           </a:xfrm>
           <a:prstGeom prst="rect">
             <a:avLst/>
@@ -38992,9 +38922,9 @@
           </a:bodyPr>
           <a:lstStyle/>
           <a:p>
-            <a:pPr marL="457200" indent="-317500" defTabSz="457200">
+            <a:pPr marL="647700" indent="-508000" defTabSz="457200">
               <a:lnSpc>
-                <a:spcPts val="2600"/>
+                <a:spcPts val="2500"/>
               </a:lnSpc>
               <a:spcBef>
                 <a:spcPts val="0"/>
@@ -39005,14 +38935,14 @@
               <a:buSzPct val="100000"/>
               <a:buFont typeface="Menlo"/>
               <a:buChar char="•"/>
-              <a:defRPr b="0" sz="1000">
-                <a:solidFill>
-                  <a:srgbClr val="AA0D91"/>
-                </a:solidFill>
-                <a:latin typeface="Menlo"/>
-                <a:ea typeface="Menlo"/>
-                <a:cs typeface="Menlo"/>
-                <a:sym typeface="Menlo"/>
+              <a:defRPr b="0" sz="1600">
+                <a:solidFill>
+                  <a:srgbClr val="5C2699"/>
+                </a:solidFill>
+                <a:latin typeface="Arial"/>
+                <a:ea typeface="Arial"/>
+                <a:cs typeface="Arial"/>
+                <a:sym typeface="Arial"/>
               </a:defRPr>
             </a:pPr>
             <a:r>
@@ -39027,11 +38957,6 @@
               <a:t> </a:t>
             </a:r>
             <a:r>
-              <a:rPr>
-                <a:solidFill>
-                  <a:srgbClr val="5C2699"/>
-                </a:solidFill>
-              </a:rPr>
               <a:t>Int</a:t>
             </a:r>
             <a:r>
@@ -39049,9 +38974,9 @@
             </a:endParaRPr>
           </a:p>
           <a:p>
-            <a:pPr marL="457200" indent="-317500" defTabSz="457200">
+            <a:pPr marL="647700" indent="-508000" defTabSz="457200">
               <a:lnSpc>
-                <a:spcPts val="2600"/>
+                <a:spcPts val="2500"/>
               </a:lnSpc>
               <a:spcBef>
                 <a:spcPts val="0"/>
@@ -39062,14 +38987,14 @@
               <a:buSzPct val="100000"/>
               <a:buFont typeface="Menlo"/>
               <a:buChar char="•"/>
-              <a:defRPr b="0" sz="1000">
-                <a:solidFill>
-                  <a:srgbClr val="3F6E74"/>
-                </a:solidFill>
-                <a:latin typeface="Menlo"/>
-                <a:ea typeface="Menlo"/>
-                <a:cs typeface="Menlo"/>
-                <a:sym typeface="Menlo"/>
+              <a:defRPr b="0" sz="1600">
+                <a:solidFill>
+                  <a:srgbClr val="5C2699"/>
+                </a:solidFill>
+                <a:latin typeface="Arial"/>
+                <a:ea typeface="Arial"/>
+                <a:cs typeface="Arial"/>
+                <a:sym typeface="Arial"/>
               </a:defRPr>
             </a:pPr>
             <a:r>
@@ -39119,11 +39044,6 @@
               <a:t>: () -&gt; </a:t>
             </a:r>
             <a:r>
-              <a:rPr>
-                <a:solidFill>
-                  <a:srgbClr val="5C2699"/>
-                </a:solidFill>
-              </a:rPr>
               <a:t>Void</a:t>
             </a:r>
             <a:r>
@@ -39141,9 +39061,9 @@
             </a:endParaRPr>
           </a:p>
           <a:p>
-            <a:pPr marL="457200" indent="-317500" defTabSz="457200">
+            <a:pPr marL="647700" indent="-508000" defTabSz="457200">
               <a:lnSpc>
-                <a:spcPts val="2600"/>
+                <a:spcPts val="2500"/>
               </a:lnSpc>
               <a:spcBef>
                 <a:spcPts val="0"/>
@@ -39154,14 +39074,14 @@
               <a:buSzPct val="100000"/>
               <a:buFont typeface="Menlo"/>
               <a:buChar char="•"/>
-              <a:defRPr b="0" sz="1000">
-                <a:solidFill>
-                  <a:srgbClr val="333333"/>
-                </a:solidFill>
-                <a:latin typeface="Menlo"/>
-                <a:ea typeface="Menlo"/>
-                <a:cs typeface="Menlo"/>
-                <a:sym typeface="Menlo"/>
+              <a:defRPr b="0" sz="1600">
+                <a:solidFill>
+                  <a:srgbClr val="5C2699"/>
+                </a:solidFill>
+                <a:latin typeface="Arial"/>
+                <a:ea typeface="Arial"/>
+                <a:cs typeface="Arial"/>
+                <a:sym typeface="Arial"/>
               </a:defRPr>
             </a:pPr>
             <a:r>
@@ -39224,9 +39144,9 @@
             </a:r>
           </a:p>
           <a:p>
-            <a:pPr marL="457200" indent="-317500" defTabSz="457200">
+            <a:pPr marL="647700" indent="-508000" defTabSz="457200">
               <a:lnSpc>
-                <a:spcPts val="2600"/>
+                <a:spcPts val="2500"/>
               </a:lnSpc>
               <a:spcBef>
                 <a:spcPts val="0"/>
@@ -39237,14 +39157,14 @@
               <a:buSzPct val="100000"/>
               <a:buFont typeface="Menlo"/>
               <a:buChar char="•"/>
-              <a:defRPr b="0" sz="1000">
-                <a:solidFill>
-                  <a:srgbClr val="333333"/>
-                </a:solidFill>
-                <a:latin typeface="Menlo"/>
-                <a:ea typeface="Menlo"/>
-                <a:cs typeface="Menlo"/>
-                <a:sym typeface="Menlo"/>
+              <a:defRPr b="0" sz="1600">
+                <a:solidFill>
+                  <a:srgbClr val="5C2699"/>
+                </a:solidFill>
+                <a:latin typeface="Arial"/>
+                <a:ea typeface="Arial"/>
+                <a:cs typeface="Arial"/>
+                <a:sym typeface="Arial"/>
               </a:defRPr>
             </a:pPr>
             <a:r>
@@ -39263,9 +39183,9 @@
             </a:r>
           </a:p>
           <a:p>
-            <a:pPr marL="457200" indent="-317500" defTabSz="457200">
+            <a:pPr marL="647700" indent="-508000" defTabSz="457200">
               <a:lnSpc>
-                <a:spcPts val="2600"/>
+                <a:spcPts val="2500"/>
               </a:lnSpc>
               <a:spcBef>
                 <a:spcPts val="0"/>
@@ -39276,14 +39196,14 @@
               <a:buSzPct val="100000"/>
               <a:buFont typeface="Menlo"/>
               <a:buChar char="•"/>
-              <a:defRPr b="0" sz="1000">
-                <a:solidFill>
-                  <a:srgbClr val="333333"/>
-                </a:solidFill>
-                <a:latin typeface="Menlo"/>
-                <a:ea typeface="Menlo"/>
-                <a:cs typeface="Menlo"/>
-                <a:sym typeface="Menlo"/>
+              <a:defRPr b="0" sz="1600">
+                <a:solidFill>
+                  <a:srgbClr val="5C2699"/>
+                </a:solidFill>
+                <a:latin typeface="Arial"/>
+                <a:ea typeface="Arial"/>
+                <a:cs typeface="Arial"/>
+                <a:sym typeface="Arial"/>
               </a:defRPr>
             </a:pPr>
             <a:r>
@@ -39291,9 +39211,9 @@
             </a:r>
           </a:p>
           <a:p>
-            <a:pPr marL="457200" indent="-317500" defTabSz="457200">
+            <a:pPr marL="647700" indent="-508000" defTabSz="457200">
               <a:lnSpc>
-                <a:spcPts val="2600"/>
+                <a:spcPts val="2500"/>
               </a:lnSpc>
               <a:spcBef>
                 <a:spcPts val="0"/>
@@ -39304,14 +39224,14 @@
               <a:buSzPct val="100000"/>
               <a:buFont typeface="Menlo"/>
               <a:buChar char="•"/>
-              <a:defRPr b="0" sz="1000">
-                <a:solidFill>
-                  <a:srgbClr val="333333"/>
-                </a:solidFill>
-                <a:latin typeface="Menlo"/>
-                <a:ea typeface="Menlo"/>
-                <a:cs typeface="Menlo"/>
-                <a:sym typeface="Menlo"/>
+              <a:defRPr b="0" sz="1600">
+                <a:solidFill>
+                  <a:srgbClr val="5C2699"/>
+                </a:solidFill>
+                <a:latin typeface="Arial"/>
+                <a:ea typeface="Arial"/>
+                <a:cs typeface="Arial"/>
+                <a:sym typeface="Arial"/>
               </a:defRPr>
             </a:pPr>
             <a:r>
@@ -39319,9 +39239,9 @@
             </a:r>
           </a:p>
           <a:p>
-            <a:pPr marL="457200" indent="-317500" defTabSz="457200">
+            <a:pPr marL="647700" indent="-508000" defTabSz="457200">
               <a:lnSpc>
-                <a:spcPts val="2600"/>
+                <a:spcPts val="2500"/>
               </a:lnSpc>
               <a:spcBef>
                 <a:spcPts val="0"/>
@@ -39332,14 +39252,14 @@
               <a:buSzPct val="100000"/>
               <a:buFont typeface="Menlo"/>
               <a:buChar char="•"/>
-              <a:defRPr b="0" sz="1000">
-                <a:solidFill>
-                  <a:srgbClr val="333333"/>
-                </a:solidFill>
-                <a:latin typeface="Menlo"/>
-                <a:ea typeface="Menlo"/>
-                <a:cs typeface="Menlo"/>
-                <a:sym typeface="Menlo"/>
+              <a:defRPr b="0" sz="1600">
+                <a:solidFill>
+                  <a:srgbClr val="5C2699"/>
+                </a:solidFill>
+                <a:latin typeface="Arial"/>
+                <a:ea typeface="Arial"/>
+                <a:cs typeface="Arial"/>
+                <a:sym typeface="Arial"/>
               </a:defRPr>
             </a:pPr>
             <a:r>
@@ -39356,8 +39276,8 @@
         </p:nvSpPr>
         <p:spPr>
           <a:xfrm>
-            <a:off x="779975" y="3066076"/>
-            <a:ext cx="2090550" cy="1120141"/>
+            <a:off x="5228407" y="1169953"/>
+            <a:ext cx="2228514" cy="1976002"/>
           </a:xfrm>
           <a:prstGeom prst="rect">
             <a:avLst/>
@@ -39377,9 +39297,9 @@
           </a:bodyPr>
           <a:lstStyle/>
           <a:p>
-            <a:pPr marL="457200" indent="-317500" defTabSz="457200">
+            <a:pPr marL="647700" indent="-508000" defTabSz="457200">
               <a:lnSpc>
-                <a:spcPts val="2600"/>
+                <a:spcPts val="2500"/>
               </a:lnSpc>
               <a:spcBef>
                 <a:spcPts val="0"/>
@@ -39390,14 +39310,14 @@
               <a:buSzPct val="100000"/>
               <a:buFont typeface="Menlo"/>
               <a:buChar char="•"/>
-              <a:defRPr b="0" sz="1000">
-                <a:solidFill>
-                  <a:srgbClr val="3F6E74"/>
-                </a:solidFill>
-                <a:latin typeface="Menlo"/>
-                <a:ea typeface="Menlo"/>
-                <a:cs typeface="Menlo"/>
-                <a:sym typeface="Menlo"/>
+              <a:defRPr b="0" sz="1600">
+                <a:solidFill>
+                  <a:srgbClr val="5C2699"/>
+                </a:solidFill>
+                <a:latin typeface="Arial"/>
+                <a:ea typeface="Arial"/>
+                <a:cs typeface="Arial"/>
+                <a:sym typeface="Arial"/>
               </a:defRPr>
             </a:pPr>
             <a:r>
@@ -39434,9 +39354,9 @@
             </a:endParaRPr>
           </a:p>
           <a:p>
-            <a:pPr marL="457200" indent="-317500" defTabSz="457200">
+            <a:pPr marL="647700" indent="-508000" defTabSz="457200">
               <a:lnSpc>
-                <a:spcPts val="2600"/>
+                <a:spcPts val="2500"/>
               </a:lnSpc>
               <a:spcBef>
                 <a:spcPts val="0"/>
@@ -39447,14 +39367,14 @@
               <a:buSzPct val="100000"/>
               <a:buFont typeface="Menlo"/>
               <a:buChar char="•"/>
-              <a:defRPr b="0" sz="1000">
-                <a:solidFill>
-                  <a:srgbClr val="C41A16"/>
-                </a:solidFill>
-                <a:latin typeface="Menlo"/>
-                <a:ea typeface="Menlo"/>
-                <a:cs typeface="Menlo"/>
-                <a:sym typeface="Menlo"/>
+              <a:defRPr b="0" sz="1600">
+                <a:solidFill>
+                  <a:srgbClr val="5C2699"/>
+                </a:solidFill>
+                <a:latin typeface="Arial"/>
+                <a:ea typeface="Arial"/>
+                <a:cs typeface="Arial"/>
+                <a:sym typeface="Arial"/>
               </a:defRPr>
             </a:pPr>
             <a:r>
@@ -39499,9 +39419,9 @@
             </a:endParaRPr>
           </a:p>
           <a:p>
-            <a:pPr marL="457200" indent="-317500" defTabSz="457200">
+            <a:pPr marL="647700" indent="-508000" defTabSz="457200">
               <a:lnSpc>
-                <a:spcPts val="2600"/>
+                <a:spcPts val="2500"/>
               </a:lnSpc>
               <a:spcBef>
                 <a:spcPts val="0"/>
@@ -39512,14 +39432,14 @@
               <a:buSzPct val="100000"/>
               <a:buFont typeface="Menlo"/>
               <a:buChar char="•"/>
-              <a:defRPr b="0" sz="1000">
-                <a:solidFill>
-                  <a:srgbClr val="333333"/>
-                </a:solidFill>
-                <a:latin typeface="Menlo"/>
-                <a:ea typeface="Menlo"/>
-                <a:cs typeface="Menlo"/>
-                <a:sym typeface="Menlo"/>
+              <a:defRPr b="0" sz="1600">
+                <a:solidFill>
+                  <a:srgbClr val="5C2699"/>
+                </a:solidFill>
+                <a:latin typeface="Arial"/>
+                <a:ea typeface="Arial"/>
+                <a:cs typeface="Arial"/>
+                <a:sym typeface="Arial"/>
               </a:defRPr>
             </a:pPr>
             <a:r>
@@ -39527,9 +39447,9 @@
             </a:r>
           </a:p>
           <a:p>
-            <a:pPr marL="457200" indent="-317500" defTabSz="457200">
+            <a:pPr marL="647700" indent="-508000" defTabSz="457200">
               <a:lnSpc>
-                <a:spcPts val="2600"/>
+                <a:spcPts val="2500"/>
               </a:lnSpc>
               <a:spcBef>
                 <a:spcPts val="0"/>
@@ -39540,14 +39460,14 @@
               <a:buSzPct val="100000"/>
               <a:buFont typeface="Menlo"/>
               <a:buChar char="•"/>
-              <a:defRPr b="0" sz="1000">
-                <a:solidFill>
-                  <a:srgbClr val="007400"/>
-                </a:solidFill>
-                <a:latin typeface="Menlo"/>
-                <a:ea typeface="Menlo"/>
-                <a:cs typeface="Menlo"/>
-                <a:sym typeface="Menlo"/>
+              <a:defRPr b="0" sz="1600">
+                <a:solidFill>
+                  <a:srgbClr val="5C2699"/>
+                </a:solidFill>
+                <a:latin typeface="Arial"/>
+                <a:ea typeface="Arial"/>
+                <a:cs typeface="Arial"/>
+                <a:sym typeface="Arial"/>
               </a:defRPr>
             </a:pPr>
             <a:r>
@@ -39560,9 +39480,9 @@
             </a:endParaRPr>
           </a:p>
           <a:p>
-            <a:pPr marL="457200" indent="-317500" defTabSz="457200">
+            <a:pPr marL="647700" indent="-508000" defTabSz="457200">
               <a:lnSpc>
-                <a:spcPts val="2600"/>
+                <a:spcPts val="2500"/>
               </a:lnSpc>
               <a:spcBef>
                 <a:spcPts val="0"/>
@@ -39573,14 +39493,14 @@
               <a:buSzPct val="100000"/>
               <a:buFont typeface="Menlo"/>
               <a:buChar char="•"/>
-              <a:defRPr b="0" sz="1000">
-                <a:solidFill>
-                  <a:srgbClr val="007400"/>
-                </a:solidFill>
-                <a:latin typeface="Menlo"/>
-                <a:ea typeface="Menlo"/>
-                <a:cs typeface="Menlo"/>
-                <a:sym typeface="Menlo"/>
+              <a:defRPr b="0" sz="1600">
+                <a:solidFill>
+                  <a:srgbClr val="5C2699"/>
+                </a:solidFill>
+                <a:latin typeface="Arial"/>
+                <a:ea typeface="Arial"/>
+                <a:cs typeface="Arial"/>
+                <a:sym typeface="Arial"/>
               </a:defRPr>
             </a:pPr>
             <a:r>
@@ -39593,9 +39513,9 @@
             </a:endParaRPr>
           </a:p>
           <a:p>
-            <a:pPr marL="457200" indent="-317500" defTabSz="457200">
+            <a:pPr marL="647700" indent="-508000" defTabSz="457200">
               <a:lnSpc>
-                <a:spcPts val="2600"/>
+                <a:spcPts val="2500"/>
               </a:lnSpc>
               <a:spcBef>
                 <a:spcPts val="0"/>
@@ -39606,14 +39526,14 @@
               <a:buSzPct val="100000"/>
               <a:buFont typeface="Menlo"/>
               <a:buChar char="•"/>
-              <a:defRPr b="0" sz="1000">
-                <a:solidFill>
-                  <a:srgbClr val="007400"/>
-                </a:solidFill>
-                <a:latin typeface="Menlo"/>
-                <a:ea typeface="Menlo"/>
-                <a:cs typeface="Menlo"/>
-                <a:sym typeface="Menlo"/>
+              <a:defRPr b="0" sz="1600">
+                <a:solidFill>
+                  <a:srgbClr val="5C2699"/>
+                </a:solidFill>
+                <a:latin typeface="Arial"/>
+                <a:ea typeface="Arial"/>
+                <a:cs typeface="Arial"/>
+                <a:sym typeface="Arial"/>
               </a:defRPr>
             </a:pPr>
             <a:r>
@@ -39766,7 +39686,7 @@
         <p:spPr>
           <a:xfrm>
             <a:off x="762931" y="1519351"/>
-            <a:ext cx="3665635" cy="2286001"/>
+            <a:ext cx="3046289" cy="2611002"/>
           </a:xfrm>
           <a:prstGeom prst="rect">
             <a:avLst/>
@@ -39786,9 +39706,9 @@
           </a:bodyPr>
           <a:lstStyle/>
           <a:p>
-            <a:pPr marL="457200" indent="-317500" defTabSz="457200">
+            <a:pPr marL="502557" indent="-362857" defTabSz="457200">
               <a:lnSpc>
-                <a:spcPts val="3900"/>
+                <a:spcPts val="2500"/>
               </a:lnSpc>
               <a:spcBef>
                 <a:spcPts val="0"/>
@@ -39799,14 +39719,14 @@
               <a:buSzPct val="100000"/>
               <a:buFont typeface="Menlo"/>
               <a:buChar char="•"/>
-              <a:defRPr b="0">
-                <a:solidFill>
-                  <a:srgbClr val="AA0D91"/>
-                </a:solidFill>
-                <a:latin typeface="Menlo"/>
-                <a:ea typeface="Menlo"/>
-                <a:cs typeface="Menlo"/>
-                <a:sym typeface="Menlo"/>
+              <a:defRPr b="0" sz="1600">
+                <a:solidFill>
+                  <a:srgbClr val="5C2699"/>
+                </a:solidFill>
+                <a:latin typeface="Arial"/>
+                <a:ea typeface="Arial"/>
+                <a:cs typeface="Arial"/>
+                <a:sym typeface="Arial"/>
               </a:defRPr>
             </a:pPr>
             <a:r>
@@ -39821,11 +39741,6 @@
               <a:t> </a:t>
             </a:r>
             <a:r>
-              <a:rPr>
-                <a:solidFill>
-                  <a:srgbClr val="5C2699"/>
-                </a:solidFill>
-              </a:rPr>
               <a:t>Int</a:t>
             </a:r>
             <a:r>
@@ -39843,9 +39758,9 @@
             </a:endParaRPr>
           </a:p>
           <a:p>
-            <a:pPr marL="457200" indent="-317500" defTabSz="457200">
+            <a:pPr marL="502557" indent="-362857" defTabSz="457200">
               <a:lnSpc>
-                <a:spcPts val="3900"/>
+                <a:spcPts val="2500"/>
               </a:lnSpc>
               <a:spcBef>
                 <a:spcPts val="0"/>
@@ -39856,14 +39771,14 @@
               <a:buSzPct val="100000"/>
               <a:buFont typeface="Menlo"/>
               <a:buChar char="•"/>
-              <a:defRPr b="0">
-                <a:solidFill>
-                  <a:srgbClr val="AA0D91"/>
-                </a:solidFill>
-                <a:latin typeface="Menlo"/>
-                <a:ea typeface="Menlo"/>
-                <a:cs typeface="Menlo"/>
-                <a:sym typeface="Menlo"/>
+              <a:defRPr b="0" sz="1600">
+                <a:solidFill>
+                  <a:srgbClr val="5C2699"/>
+                </a:solidFill>
+                <a:latin typeface="Arial"/>
+                <a:ea typeface="Arial"/>
+                <a:cs typeface="Arial"/>
+                <a:sym typeface="Arial"/>
               </a:defRPr>
             </a:pPr>
             <a:r>
@@ -39919,9 +39834,9 @@
             </a:endParaRPr>
           </a:p>
           <a:p>
-            <a:pPr marL="457200" indent="-317500" defTabSz="457200">
+            <a:pPr marL="502557" indent="-362857" defTabSz="457200">
               <a:lnSpc>
-                <a:spcPts val="3900"/>
+                <a:spcPts val="2500"/>
               </a:lnSpc>
               <a:spcBef>
                 <a:spcPts val="0"/>
@@ -39932,14 +39847,14 @@
               <a:buSzPct val="100000"/>
               <a:buFont typeface="Menlo"/>
               <a:buChar char="•"/>
-              <a:defRPr b="0">
-                <a:solidFill>
-                  <a:srgbClr val="333333"/>
-                </a:solidFill>
-                <a:latin typeface="Menlo"/>
-                <a:ea typeface="Menlo"/>
-                <a:cs typeface="Menlo"/>
-                <a:sym typeface="Menlo"/>
+              <a:defRPr b="0" sz="1600">
+                <a:solidFill>
+                  <a:srgbClr val="5C2699"/>
+                </a:solidFill>
+                <a:latin typeface="Arial"/>
+                <a:ea typeface="Arial"/>
+                <a:cs typeface="Arial"/>
+                <a:sym typeface="Arial"/>
               </a:defRPr>
             </a:pPr>
             <a:r>
@@ -39977,9 +39892,9 @@
             </a:r>
           </a:p>
           <a:p>
-            <a:pPr marL="457200" indent="-317500" defTabSz="457200">
+            <a:pPr marL="502557" indent="-362857" defTabSz="457200">
               <a:lnSpc>
-                <a:spcPts val="3900"/>
+                <a:spcPts val="2500"/>
               </a:lnSpc>
               <a:spcBef>
                 <a:spcPts val="0"/>
@@ -39990,14 +39905,14 @@
               <a:buSzPct val="100000"/>
               <a:buFont typeface="Menlo"/>
               <a:buChar char="•"/>
-              <a:defRPr b="0">
-                <a:solidFill>
-                  <a:srgbClr val="333333"/>
-                </a:solidFill>
-                <a:latin typeface="Menlo"/>
-                <a:ea typeface="Menlo"/>
-                <a:cs typeface="Menlo"/>
-                <a:sym typeface="Menlo"/>
+              <a:defRPr b="0" sz="1600">
+                <a:solidFill>
+                  <a:srgbClr val="5C2699"/>
+                </a:solidFill>
+                <a:latin typeface="Arial"/>
+                <a:ea typeface="Arial"/>
+                <a:cs typeface="Arial"/>
+                <a:sym typeface="Arial"/>
               </a:defRPr>
             </a:pPr>
             <a:r>
@@ -40005,9 +39920,9 @@
             </a:r>
           </a:p>
           <a:p>
-            <a:pPr marL="457200" indent="-317500" defTabSz="457200">
+            <a:pPr marL="502557" indent="-362857" defTabSz="457200">
               <a:lnSpc>
-                <a:spcPts val="3900"/>
+                <a:spcPts val="2500"/>
               </a:lnSpc>
               <a:spcBef>
                 <a:spcPts val="0"/>
@@ -40018,14 +39933,14 @@
               <a:buSzPct val="100000"/>
               <a:buFont typeface="Menlo"/>
               <a:buChar char="•"/>
-              <a:defRPr b="0">
-                <a:solidFill>
-                  <a:srgbClr val="333333"/>
-                </a:solidFill>
-                <a:latin typeface="Menlo"/>
-                <a:ea typeface="Menlo"/>
-                <a:cs typeface="Menlo"/>
-                <a:sym typeface="Menlo"/>
+              <a:defRPr b="0" sz="1600">
+                <a:solidFill>
+                  <a:srgbClr val="5C2699"/>
+                </a:solidFill>
+                <a:latin typeface="Arial"/>
+                <a:ea typeface="Arial"/>
+                <a:cs typeface="Arial"/>
+                <a:sym typeface="Arial"/>
               </a:defRPr>
             </a:pPr>
             <a:r>
@@ -40033,9 +39948,9 @@
             </a:r>
           </a:p>
           <a:p>
-            <a:pPr marL="457200" indent="-317500" defTabSz="457200">
+            <a:pPr marL="502557" indent="-362857" defTabSz="457200">
               <a:lnSpc>
-                <a:spcPts val="3900"/>
+                <a:spcPts val="2500"/>
               </a:lnSpc>
               <a:spcBef>
                 <a:spcPts val="0"/>
@@ -40046,14 +39961,14 @@
               <a:buSzPct val="100000"/>
               <a:buFont typeface="Menlo"/>
               <a:buChar char="•"/>
-              <a:defRPr b="0">
-                <a:solidFill>
-                  <a:srgbClr val="3F6E74"/>
-                </a:solidFill>
-                <a:latin typeface="Menlo"/>
-                <a:ea typeface="Menlo"/>
-                <a:cs typeface="Menlo"/>
-                <a:sym typeface="Menlo"/>
+              <a:defRPr b="0" sz="1600">
+                <a:solidFill>
+                  <a:srgbClr val="5C2699"/>
+                </a:solidFill>
+                <a:latin typeface="Arial"/>
+                <a:ea typeface="Arial"/>
+                <a:cs typeface="Arial"/>
+                <a:sym typeface="Arial"/>
               </a:defRPr>
             </a:pPr>
             <a:r>
@@ -40098,9 +40013,9 @@
             </a:endParaRPr>
           </a:p>
           <a:p>
-            <a:pPr marL="457200" indent="-317500" defTabSz="457200">
+            <a:pPr marL="502557" indent="-362857" defTabSz="457200">
               <a:lnSpc>
-                <a:spcPts val="3900"/>
+                <a:spcPts val="2500"/>
               </a:lnSpc>
               <a:spcBef>
                 <a:spcPts val="0"/>
@@ -40111,14 +40026,14 @@
               <a:buSzPct val="100000"/>
               <a:buFont typeface="Menlo"/>
               <a:buChar char="•"/>
-              <a:defRPr b="0">
-                <a:solidFill>
-                  <a:srgbClr val="3F6E74"/>
-                </a:solidFill>
-                <a:latin typeface="Menlo"/>
-                <a:ea typeface="Menlo"/>
-                <a:cs typeface="Menlo"/>
-                <a:sym typeface="Menlo"/>
+              <a:defRPr b="0" sz="1600">
+                <a:solidFill>
+                  <a:srgbClr val="5C2699"/>
+                </a:solidFill>
+                <a:latin typeface="Arial"/>
+                <a:ea typeface="Arial"/>
+                <a:cs typeface="Arial"/>
+                <a:sym typeface="Arial"/>
               </a:defRPr>
             </a:pPr>
             <a:r>
@@ -40150,9 +40065,9 @@
             </a:endParaRPr>
           </a:p>
           <a:p>
-            <a:pPr marL="457200" indent="-317500" defTabSz="457200">
+            <a:pPr marL="502557" indent="-362857" defTabSz="457200">
               <a:lnSpc>
-                <a:spcPts val="3900"/>
+                <a:spcPts val="2500"/>
               </a:lnSpc>
               <a:spcBef>
                 <a:spcPts val="0"/>
@@ -40163,14 +40078,14 @@
               <a:buSzPct val="100000"/>
               <a:buFont typeface="Menlo"/>
               <a:buChar char="•"/>
-              <a:defRPr b="0">
-                <a:solidFill>
-                  <a:srgbClr val="007400"/>
-                </a:solidFill>
-                <a:latin typeface="Menlo"/>
-                <a:ea typeface="Menlo"/>
-                <a:cs typeface="Menlo"/>
-                <a:sym typeface="Menlo"/>
+              <a:defRPr b="0" sz="1600">
+                <a:solidFill>
+                  <a:srgbClr val="5C2699"/>
+                </a:solidFill>
+                <a:latin typeface="Arial"/>
+                <a:ea typeface="Arial"/>
+                <a:cs typeface="Arial"/>
+                <a:sym typeface="Arial"/>
               </a:defRPr>
             </a:pPr>
             <a:r>
@@ -40359,7 +40274,7 @@
         <p:spPr>
           <a:xfrm>
             <a:off x="758670" y="1135865"/>
-            <a:ext cx="3382732" cy="3025141"/>
+            <a:ext cx="2968870" cy="3748166"/>
           </a:xfrm>
           <a:prstGeom prst="rect">
             <a:avLst/>
@@ -40379,9 +40294,9 @@
           </a:bodyPr>
           <a:lstStyle/>
           <a:p>
-            <a:pPr marL="457200" indent="-317500" defTabSz="457200">
+            <a:pPr marL="527755" indent="-388055" defTabSz="457200">
               <a:lnSpc>
-                <a:spcPts val="2300"/>
+                <a:spcPts val="1700"/>
               </a:lnSpc>
               <a:spcBef>
                 <a:spcPts val="0"/>
@@ -40392,14 +40307,14 @@
               <a:buSzPct val="100000"/>
               <a:buFont typeface="Menlo"/>
               <a:buChar char="•"/>
-              <a:defRPr b="0" sz="900">
-                <a:solidFill>
-                  <a:srgbClr val="AA0D91"/>
-                </a:solidFill>
-                <a:latin typeface="Menlo"/>
-                <a:ea typeface="Menlo"/>
-                <a:cs typeface="Menlo"/>
-                <a:sym typeface="Menlo"/>
+              <a:defRPr b="0" sz="1100">
+                <a:solidFill>
+                  <a:srgbClr val="5C2699"/>
+                </a:solidFill>
+                <a:latin typeface="Arial"/>
+                <a:ea typeface="Arial"/>
+                <a:cs typeface="Arial"/>
+                <a:sym typeface="Arial"/>
               </a:defRPr>
             </a:pPr>
             <a:r>
@@ -40414,11 +40329,6 @@
               <a:t> </a:t>
             </a:r>
             <a:r>
-              <a:rPr>
-                <a:solidFill>
-                  <a:srgbClr val="5C2699"/>
-                </a:solidFill>
-              </a:rPr>
               <a:t>Int</a:t>
             </a:r>
             <a:r>
@@ -40436,9 +40346,9 @@
             </a:endParaRPr>
           </a:p>
           <a:p>
-            <a:pPr marL="457200" indent="-317500" defTabSz="457200">
+            <a:pPr marL="527755" indent="-388055" defTabSz="457200">
               <a:lnSpc>
-                <a:spcPts val="2300"/>
+                <a:spcPts val="1700"/>
               </a:lnSpc>
               <a:spcBef>
                 <a:spcPts val="0"/>
@@ -40449,14 +40359,14 @@
               <a:buSzPct val="100000"/>
               <a:buFont typeface="Menlo"/>
               <a:buChar char="•"/>
-              <a:defRPr b="0" sz="900">
-                <a:solidFill>
-                  <a:srgbClr val="3F6E74"/>
-                </a:solidFill>
-                <a:latin typeface="Menlo"/>
-                <a:ea typeface="Menlo"/>
-                <a:cs typeface="Menlo"/>
-                <a:sym typeface="Menlo"/>
+              <a:defRPr b="0" sz="1100">
+                <a:solidFill>
+                  <a:srgbClr val="5C2699"/>
+                </a:solidFill>
+                <a:latin typeface="Arial"/>
+                <a:ea typeface="Arial"/>
+                <a:cs typeface="Arial"/>
+                <a:sym typeface="Arial"/>
               </a:defRPr>
             </a:pPr>
             <a:r>
@@ -40495,11 +40405,6 @@
               <a:t>: </a:t>
             </a:r>
             <a:r>
-              <a:rPr>
-                <a:solidFill>
-                  <a:srgbClr val="5C2699"/>
-                </a:solidFill>
-              </a:rPr>
               <a:t>Int</a:t>
             </a:r>
             <a:r>
@@ -40511,11 +40416,6 @@
               <a:t>) -&gt; </a:t>
             </a:r>
             <a:r>
-              <a:rPr>
-                <a:solidFill>
-                  <a:srgbClr val="5C2699"/>
-                </a:solidFill>
-              </a:rPr>
               <a:t>Int</a:t>
             </a:r>
             <a:r>
@@ -40533,9 +40433,9 @@
             </a:endParaRPr>
           </a:p>
           <a:p>
-            <a:pPr marL="457200" indent="-317500" defTabSz="457200">
+            <a:pPr marL="527755" indent="-388055" defTabSz="457200">
               <a:lnSpc>
-                <a:spcPts val="2300"/>
+                <a:spcPts val="1700"/>
               </a:lnSpc>
               <a:spcBef>
                 <a:spcPts val="0"/>
@@ -40546,14 +40446,14 @@
               <a:buSzPct val="100000"/>
               <a:buFont typeface="Menlo"/>
               <a:buChar char="•"/>
-              <a:defRPr b="0" sz="900">
-                <a:solidFill>
-                  <a:srgbClr val="333333"/>
-                </a:solidFill>
-                <a:latin typeface="Menlo"/>
-                <a:ea typeface="Menlo"/>
-                <a:cs typeface="Menlo"/>
-                <a:sym typeface="Menlo"/>
+              <a:defRPr b="0" sz="1100">
+                <a:solidFill>
+                  <a:srgbClr val="5C2699"/>
+                </a:solidFill>
+                <a:latin typeface="Arial"/>
+                <a:ea typeface="Arial"/>
+                <a:cs typeface="Arial"/>
+                <a:sym typeface="Arial"/>
               </a:defRPr>
             </a:pPr>
             <a:r>
@@ -40591,9 +40491,9 @@
             </a:r>
           </a:p>
           <a:p>
-            <a:pPr marL="457200" indent="-317500" defTabSz="457200">
+            <a:pPr marL="527755" indent="-388055" defTabSz="457200">
               <a:lnSpc>
-                <a:spcPts val="2300"/>
+                <a:spcPts val="1700"/>
               </a:lnSpc>
               <a:spcBef>
                 <a:spcPts val="0"/>
@@ -40604,14 +40504,14 @@
               <a:buSzPct val="100000"/>
               <a:buFont typeface="Menlo"/>
               <a:buChar char="•"/>
-              <a:defRPr b="0" sz="900">
-                <a:solidFill>
-                  <a:srgbClr val="333333"/>
-                </a:solidFill>
-                <a:latin typeface="Menlo"/>
-                <a:ea typeface="Menlo"/>
-                <a:cs typeface="Menlo"/>
-                <a:sym typeface="Menlo"/>
+              <a:defRPr b="0" sz="1100">
+                <a:solidFill>
+                  <a:srgbClr val="5C2699"/>
+                </a:solidFill>
+                <a:latin typeface="Arial"/>
+                <a:ea typeface="Arial"/>
+                <a:cs typeface="Arial"/>
+                <a:sym typeface="Arial"/>
               </a:defRPr>
             </a:pPr>
             <a:r>
@@ -40674,9 +40574,9 @@
             </a:r>
           </a:p>
           <a:p>
-            <a:pPr marL="457200" indent="-317500" defTabSz="457200">
+            <a:pPr marL="527755" indent="-388055" defTabSz="457200">
               <a:lnSpc>
-                <a:spcPts val="2300"/>
+                <a:spcPts val="1700"/>
               </a:lnSpc>
               <a:spcBef>
                 <a:spcPts val="0"/>
@@ -40687,14 +40587,14 @@
               <a:buSzPct val="100000"/>
               <a:buFont typeface="Menlo"/>
               <a:buChar char="•"/>
-              <a:defRPr b="0" sz="900">
-                <a:solidFill>
-                  <a:srgbClr val="333333"/>
-                </a:solidFill>
-                <a:latin typeface="Menlo"/>
-                <a:ea typeface="Menlo"/>
-                <a:cs typeface="Menlo"/>
-                <a:sym typeface="Menlo"/>
+              <a:defRPr b="0" sz="1100">
+                <a:solidFill>
+                  <a:srgbClr val="5C2699"/>
+                </a:solidFill>
+                <a:latin typeface="Arial"/>
+                <a:ea typeface="Arial"/>
+                <a:cs typeface="Arial"/>
+                <a:sym typeface="Arial"/>
               </a:defRPr>
             </a:pPr>
             <a:r>
@@ -40721,9 +40621,9 @@
             </a:r>
           </a:p>
           <a:p>
-            <a:pPr marL="457200" indent="-317500" defTabSz="457200">
+            <a:pPr marL="527755" indent="-388055" defTabSz="457200">
               <a:lnSpc>
-                <a:spcPts val="2300"/>
+                <a:spcPts val="1700"/>
               </a:lnSpc>
               <a:spcBef>
                 <a:spcPts val="0"/>
@@ -40734,14 +40634,14 @@
               <a:buSzPct val="100000"/>
               <a:buFont typeface="Menlo"/>
               <a:buChar char="•"/>
-              <a:defRPr b="0" sz="900">
-                <a:solidFill>
-                  <a:srgbClr val="333333"/>
-                </a:solidFill>
-                <a:latin typeface="Menlo"/>
-                <a:ea typeface="Menlo"/>
-                <a:cs typeface="Menlo"/>
-                <a:sym typeface="Menlo"/>
+              <a:defRPr b="0" sz="1100">
+                <a:solidFill>
+                  <a:srgbClr val="5C2699"/>
+                </a:solidFill>
+                <a:latin typeface="Arial"/>
+                <a:ea typeface="Arial"/>
+                <a:cs typeface="Arial"/>
+                <a:sym typeface="Arial"/>
               </a:defRPr>
             </a:pPr>
             <a:r>
@@ -40749,9 +40649,9 @@
             </a:r>
           </a:p>
           <a:p>
-            <a:pPr marL="457200" indent="-317500" defTabSz="457200">
+            <a:pPr marL="527755" indent="-388055" defTabSz="457200">
               <a:lnSpc>
-                <a:spcPts val="2300"/>
+                <a:spcPts val="1700"/>
               </a:lnSpc>
               <a:spcBef>
                 <a:spcPts val="0"/>
@@ -40762,14 +40662,14 @@
               <a:buSzPct val="100000"/>
               <a:buFont typeface="Menlo"/>
               <a:buChar char="•"/>
-              <a:defRPr b="0" sz="900">
-                <a:solidFill>
-                  <a:srgbClr val="333333"/>
-                </a:solidFill>
-                <a:latin typeface="Menlo"/>
-                <a:ea typeface="Menlo"/>
-                <a:cs typeface="Menlo"/>
-                <a:sym typeface="Menlo"/>
+              <a:defRPr b="0" sz="1100">
+                <a:solidFill>
+                  <a:srgbClr val="5C2699"/>
+                </a:solidFill>
+                <a:latin typeface="Arial"/>
+                <a:ea typeface="Arial"/>
+                <a:cs typeface="Arial"/>
+                <a:sym typeface="Arial"/>
               </a:defRPr>
             </a:pPr>
             <a:r>
@@ -40818,9 +40718,9 @@
             </a:r>
           </a:p>
           <a:p>
-            <a:pPr marL="457200" indent="-317500" defTabSz="457200">
+            <a:pPr marL="527755" indent="-388055" defTabSz="457200">
               <a:lnSpc>
-                <a:spcPts val="2300"/>
+                <a:spcPts val="1700"/>
               </a:lnSpc>
               <a:spcBef>
                 <a:spcPts val="0"/>
@@ -40831,14 +40731,14 @@
               <a:buSzPct val="100000"/>
               <a:buFont typeface="Menlo"/>
               <a:buChar char="•"/>
-              <a:defRPr b="0" sz="900">
-                <a:solidFill>
-                  <a:srgbClr val="333333"/>
-                </a:solidFill>
-                <a:latin typeface="Menlo"/>
-                <a:ea typeface="Menlo"/>
-                <a:cs typeface="Menlo"/>
-                <a:sym typeface="Menlo"/>
+              <a:defRPr b="0" sz="1100">
+                <a:solidFill>
+                  <a:srgbClr val="5C2699"/>
+                </a:solidFill>
+                <a:latin typeface="Arial"/>
+                <a:ea typeface="Arial"/>
+                <a:cs typeface="Arial"/>
+                <a:sym typeface="Arial"/>
               </a:defRPr>
             </a:pPr>
             <a:r>
@@ -40846,9 +40746,9 @@
             </a:r>
           </a:p>
           <a:p>
-            <a:pPr marL="457200" indent="-317500" defTabSz="457200">
+            <a:pPr marL="527755" indent="-388055" defTabSz="457200">
               <a:lnSpc>
-                <a:spcPts val="2300"/>
+                <a:spcPts val="1700"/>
               </a:lnSpc>
               <a:spcBef>
                 <a:spcPts val="0"/>
@@ -40859,14 +40759,14 @@
               <a:buSzPct val="100000"/>
               <a:buFont typeface="Menlo"/>
               <a:buChar char="•"/>
-              <a:defRPr b="0" sz="900">
-                <a:solidFill>
-                  <a:srgbClr val="333333"/>
-                </a:solidFill>
-                <a:latin typeface="Menlo"/>
-                <a:ea typeface="Menlo"/>
-                <a:cs typeface="Menlo"/>
-                <a:sym typeface="Menlo"/>
+              <a:defRPr b="0" sz="1100">
+                <a:solidFill>
+                  <a:srgbClr val="5C2699"/>
+                </a:solidFill>
+                <a:latin typeface="Arial"/>
+                <a:ea typeface="Arial"/>
+                <a:cs typeface="Arial"/>
+                <a:sym typeface="Arial"/>
               </a:defRPr>
             </a:pPr>
             <a:r>
@@ -40874,9 +40774,9 @@
             </a:r>
           </a:p>
           <a:p>
-            <a:pPr marL="457200" indent="-317500" defTabSz="457200">
+            <a:pPr marL="527755" indent="-388055" defTabSz="457200">
               <a:lnSpc>
-                <a:spcPts val="2300"/>
+                <a:spcPts val="1700"/>
               </a:lnSpc>
               <a:spcBef>
                 <a:spcPts val="0"/>
@@ -40887,14 +40787,14 @@
               <a:buSzPct val="100000"/>
               <a:buFont typeface="Menlo"/>
               <a:buChar char="•"/>
-              <a:defRPr b="0" sz="900">
-                <a:solidFill>
-                  <a:srgbClr val="1C00CF"/>
-                </a:solidFill>
-                <a:latin typeface="Menlo"/>
-                <a:ea typeface="Menlo"/>
-                <a:cs typeface="Menlo"/>
-                <a:sym typeface="Menlo"/>
+              <a:defRPr b="0" sz="1100">
+                <a:solidFill>
+                  <a:srgbClr val="5C2699"/>
+                </a:solidFill>
+                <a:latin typeface="Arial"/>
+                <a:ea typeface="Arial"/>
+                <a:cs typeface="Arial"/>
+                <a:sym typeface="Arial"/>
               </a:defRPr>
             </a:pPr>
             <a:r>
@@ -40926,9 +40826,9 @@
             </a:endParaRPr>
           </a:p>
           <a:p>
-            <a:pPr marL="457200" indent="-317500" defTabSz="457200">
+            <a:pPr marL="527755" indent="-388055" defTabSz="457200">
               <a:lnSpc>
-                <a:spcPts val="2300"/>
+                <a:spcPts val="1700"/>
               </a:lnSpc>
               <a:spcBef>
                 <a:spcPts val="0"/>
@@ -40939,14 +40839,14 @@
               <a:buSzPct val="100000"/>
               <a:buFont typeface="Menlo"/>
               <a:buChar char="•"/>
-              <a:defRPr b="0" sz="900">
-                <a:solidFill>
-                  <a:srgbClr val="007400"/>
-                </a:solidFill>
-                <a:latin typeface="Menlo"/>
-                <a:ea typeface="Menlo"/>
-                <a:cs typeface="Menlo"/>
-                <a:sym typeface="Menlo"/>
+              <a:defRPr b="0" sz="1100">
+                <a:solidFill>
+                  <a:srgbClr val="5C2699"/>
+                </a:solidFill>
+                <a:latin typeface="Arial"/>
+                <a:ea typeface="Arial"/>
+                <a:cs typeface="Arial"/>
+                <a:sym typeface="Arial"/>
               </a:defRPr>
             </a:pPr>
             <a:r>
@@ -40959,9 +40859,9 @@
             </a:endParaRPr>
           </a:p>
           <a:p>
-            <a:pPr marL="457200" indent="-317500" defTabSz="457200">
+            <a:pPr marL="527755" indent="-388055" defTabSz="457200">
               <a:lnSpc>
-                <a:spcPts val="2300"/>
+                <a:spcPts val="1700"/>
               </a:lnSpc>
               <a:spcBef>
                 <a:spcPts val="0"/>
@@ -40972,14 +40872,14 @@
               <a:buSzPct val="100000"/>
               <a:buFont typeface="Menlo"/>
               <a:buChar char="•"/>
-              <a:defRPr b="0" sz="900">
-                <a:solidFill>
-                  <a:srgbClr val="1C00CF"/>
-                </a:solidFill>
-                <a:latin typeface="Menlo"/>
-                <a:ea typeface="Menlo"/>
-                <a:cs typeface="Menlo"/>
-                <a:sym typeface="Menlo"/>
+              <a:defRPr b="0" sz="1100">
+                <a:solidFill>
+                  <a:srgbClr val="5C2699"/>
+                </a:solidFill>
+                <a:latin typeface="Arial"/>
+                <a:ea typeface="Arial"/>
+                <a:cs typeface="Arial"/>
+                <a:sym typeface="Arial"/>
               </a:defRPr>
             </a:pPr>
             <a:r>
@@ -41011,9 +40911,9 @@
             </a:endParaRPr>
           </a:p>
           <a:p>
-            <a:pPr marL="457200" indent="-317500" defTabSz="457200">
+            <a:pPr marL="527755" indent="-388055" defTabSz="457200">
               <a:lnSpc>
-                <a:spcPts val="2300"/>
+                <a:spcPts val="1700"/>
               </a:lnSpc>
               <a:spcBef>
                 <a:spcPts val="0"/>
@@ -41024,14 +40924,14 @@
               <a:buSzPct val="100000"/>
               <a:buFont typeface="Menlo"/>
               <a:buChar char="•"/>
-              <a:defRPr b="0" sz="900">
-                <a:solidFill>
-                  <a:srgbClr val="007400"/>
-                </a:solidFill>
-                <a:latin typeface="Menlo"/>
-                <a:ea typeface="Menlo"/>
-                <a:cs typeface="Menlo"/>
-                <a:sym typeface="Menlo"/>
+              <a:defRPr b="0" sz="1100">
+                <a:solidFill>
+                  <a:srgbClr val="5C2699"/>
+                </a:solidFill>
+                <a:latin typeface="Arial"/>
+                <a:ea typeface="Arial"/>
+                <a:cs typeface="Arial"/>
+                <a:sym typeface="Arial"/>
               </a:defRPr>
             </a:pPr>
             <a:r>
@@ -41044,9 +40944,9 @@
             </a:endParaRPr>
           </a:p>
           <a:p>
-            <a:pPr marL="457200" indent="-317500" defTabSz="457200">
+            <a:pPr marL="527755" indent="-388055" defTabSz="457200">
               <a:lnSpc>
-                <a:spcPts val="2300"/>
+                <a:spcPts val="1700"/>
               </a:lnSpc>
               <a:spcBef>
                 <a:spcPts val="0"/>
@@ -41057,14 +40957,14 @@
               <a:buSzPct val="100000"/>
               <a:buFont typeface="Menlo"/>
               <a:buChar char="•"/>
-              <a:defRPr b="0" sz="900">
-                <a:solidFill>
-                  <a:srgbClr val="1C00CF"/>
-                </a:solidFill>
-                <a:latin typeface="Menlo"/>
-                <a:ea typeface="Menlo"/>
-                <a:cs typeface="Menlo"/>
-                <a:sym typeface="Menlo"/>
+              <a:defRPr b="0" sz="1100">
+                <a:solidFill>
+                  <a:srgbClr val="5C2699"/>
+                </a:solidFill>
+                <a:latin typeface="Arial"/>
+                <a:ea typeface="Arial"/>
+                <a:cs typeface="Arial"/>
+                <a:sym typeface="Arial"/>
               </a:defRPr>
             </a:pPr>
             <a:r>
@@ -41096,9 +40996,9 @@
             </a:endParaRPr>
           </a:p>
           <a:p>
-            <a:pPr marL="457200" indent="-317500" defTabSz="457200">
+            <a:pPr marL="527755" indent="-388055" defTabSz="457200">
               <a:lnSpc>
-                <a:spcPts val="2300"/>
+                <a:spcPts val="1700"/>
               </a:lnSpc>
               <a:spcBef>
                 <a:spcPts val="0"/>
@@ -41109,14 +41009,14 @@
               <a:buSzPct val="100000"/>
               <a:buFont typeface="Menlo"/>
               <a:buChar char="•"/>
-              <a:defRPr b="0" sz="900">
-                <a:solidFill>
-                  <a:srgbClr val="007400"/>
-                </a:solidFill>
-                <a:latin typeface="Menlo"/>
-                <a:ea typeface="Menlo"/>
-                <a:cs typeface="Menlo"/>
-                <a:sym typeface="Menlo"/>
+              <a:defRPr b="0" sz="1100">
+                <a:solidFill>
+                  <a:srgbClr val="5C2699"/>
+                </a:solidFill>
+                <a:latin typeface="Arial"/>
+                <a:ea typeface="Arial"/>
+                <a:cs typeface="Arial"/>
+                <a:sym typeface="Arial"/>
               </a:defRPr>
             </a:pPr>
             <a:r>
@@ -41129,9 +41029,9 @@
             </a:endParaRPr>
           </a:p>
           <a:p>
-            <a:pPr marL="457200" indent="-317500" defTabSz="457200">
+            <a:pPr marL="527755" indent="-388055" defTabSz="457200">
               <a:lnSpc>
-                <a:spcPts val="2300"/>
+                <a:spcPts val="1700"/>
               </a:lnSpc>
               <a:spcBef>
                 <a:spcPts val="0"/>
@@ -41142,14 +41042,14 @@
               <a:buSzPct val="100000"/>
               <a:buFont typeface="Menlo"/>
               <a:buChar char="•"/>
-              <a:defRPr b="0" sz="900">
-                <a:solidFill>
-                  <a:srgbClr val="1C00CF"/>
-                </a:solidFill>
-                <a:latin typeface="Menlo"/>
-                <a:ea typeface="Menlo"/>
-                <a:cs typeface="Menlo"/>
-                <a:sym typeface="Menlo"/>
+              <a:defRPr b="0" sz="1100">
+                <a:solidFill>
+                  <a:srgbClr val="5C2699"/>
+                </a:solidFill>
+                <a:latin typeface="Arial"/>
+                <a:ea typeface="Arial"/>
+                <a:cs typeface="Arial"/>
+                <a:sym typeface="Arial"/>
               </a:defRPr>
             </a:pPr>
             <a:r>
@@ -41181,9 +41081,9 @@
             </a:endParaRPr>
           </a:p>
           <a:p>
-            <a:pPr marL="457200" indent="-317500" defTabSz="457200">
+            <a:pPr marL="527755" indent="-388055" defTabSz="457200">
               <a:lnSpc>
-                <a:spcPts val="2300"/>
+                <a:spcPts val="1700"/>
               </a:lnSpc>
               <a:spcBef>
                 <a:spcPts val="0"/>
@@ -41194,24 +41094,19 @@
               <a:buSzPct val="100000"/>
               <a:buFont typeface="Menlo"/>
               <a:buChar char="•"/>
-              <a:defRPr b="0" sz="900">
-                <a:solidFill>
-                  <a:srgbClr val="007400"/>
-                </a:solidFill>
-                <a:latin typeface="Menlo"/>
-                <a:ea typeface="Menlo"/>
-                <a:cs typeface="Menlo"/>
-                <a:sym typeface="Menlo"/>
+              <a:defRPr b="0" sz="1100">
+                <a:solidFill>
+                  <a:srgbClr val="5C2699"/>
+                </a:solidFill>
+                <a:latin typeface="Arial"/>
+                <a:ea typeface="Arial"/>
+                <a:cs typeface="Arial"/>
+                <a:sym typeface="Arial"/>
               </a:defRPr>
             </a:pPr>
             <a:r>
               <a:t>// returns 7</a:t>
             </a:r>
-            <a:endParaRPr>
-              <a:solidFill>
-                <a:srgbClr val="333333"/>
-              </a:solidFill>
-            </a:endParaRPr>
           </a:p>
         </p:txBody>
       </p:sp>
